--- a/Diagrams/Project 5 presentation.pptx
+++ b/Diagrams/Project 5 presentation.pptx
@@ -67,7 +67,7 @@
       </p:grpSpPr>
       <p:sp>
         <p:nvSpPr>
-          <p:cNvPr id="27" name="PlaceHolder 1"/>
+          <p:cNvPr id="23" name="PlaceHolder 1"/>
           <p:cNvSpPr>
             <a:spLocks noGrp="1"/>
           </p:cNvSpPr>
@@ -77,8 +77,8 @@
         </p:nvSpPr>
         <p:spPr>
           <a:xfrm>
-            <a:off x="838080" y="365040"/>
-            <a:ext cx="10515240" cy="1325160"/>
+            <a:off x="609480" y="273600"/>
+            <a:ext cx="10972440" cy="1144800"/>
           </a:xfrm>
           <a:prstGeom prst="rect">
             <a:avLst/>
@@ -87,13 +87,14 @@
         <p:txBody>
           <a:bodyPr lIns="0" rIns="0" tIns="0" bIns="0" anchor="ctr"/>
           <a:p>
-            <a:endParaRPr/>
-          </a:p>
-        </p:txBody>
-      </p:sp>
-      <p:sp>
-        <p:nvSpPr>
-          <p:cNvPr id="28" name="PlaceHolder 2"/>
+            <a:pPr algn="ctr"/>
+            <a:endParaRPr/>
+          </a:p>
+        </p:txBody>
+      </p:sp>
+      <p:sp>
+        <p:nvSpPr>
+          <p:cNvPr id="24" name="PlaceHolder 2"/>
           <p:cNvSpPr>
             <a:spLocks noGrp="1"/>
           </p:cNvSpPr>
@@ -103,8 +104,8 @@
         </p:nvSpPr>
         <p:spPr>
           <a:xfrm>
-            <a:off x="838080" y="1825560"/>
-            <a:ext cx="10515240" cy="2075040"/>
+            <a:off x="609480" y="1604520"/>
+            <a:ext cx="10972440" cy="1896840"/>
           </a:xfrm>
           <a:prstGeom prst="rect">
             <a:avLst/>
@@ -119,7 +120,7 @@
       </p:sp>
       <p:sp>
         <p:nvSpPr>
-          <p:cNvPr id="29" name="PlaceHolder 3"/>
+          <p:cNvPr id="25" name="PlaceHolder 3"/>
           <p:cNvSpPr>
             <a:spLocks noGrp="1"/>
           </p:cNvSpPr>
@@ -129,8 +130,8 @@
         </p:nvSpPr>
         <p:spPr>
           <a:xfrm>
-            <a:off x="838080" y="4098240"/>
-            <a:ext cx="10515240" cy="2075040"/>
+            <a:off x="609480" y="3682080"/>
+            <a:ext cx="10972440" cy="1896840"/>
           </a:xfrm>
           <a:prstGeom prst="rect">
             <a:avLst/>
@@ -167,7 +168,7 @@
       </p:grpSpPr>
       <p:sp>
         <p:nvSpPr>
-          <p:cNvPr id="30" name="PlaceHolder 1"/>
+          <p:cNvPr id="26" name="PlaceHolder 1"/>
           <p:cNvSpPr>
             <a:spLocks noGrp="1"/>
           </p:cNvSpPr>
@@ -177,8 +178,8 @@
         </p:nvSpPr>
         <p:spPr>
           <a:xfrm>
-            <a:off x="838080" y="365040"/>
-            <a:ext cx="10515240" cy="1325160"/>
+            <a:off x="609480" y="273600"/>
+            <a:ext cx="10972440" cy="1144800"/>
           </a:xfrm>
           <a:prstGeom prst="rect">
             <a:avLst/>
@@ -187,13 +188,14 @@
         <p:txBody>
           <a:bodyPr lIns="0" rIns="0" tIns="0" bIns="0" anchor="ctr"/>
           <a:p>
-            <a:endParaRPr/>
-          </a:p>
-        </p:txBody>
-      </p:sp>
-      <p:sp>
-        <p:nvSpPr>
-          <p:cNvPr id="31" name="PlaceHolder 2"/>
+            <a:pPr algn="ctr"/>
+            <a:endParaRPr/>
+          </a:p>
+        </p:txBody>
+      </p:sp>
+      <p:sp>
+        <p:nvSpPr>
+          <p:cNvPr id="27" name="PlaceHolder 2"/>
           <p:cNvSpPr>
             <a:spLocks noGrp="1"/>
           </p:cNvSpPr>
@@ -203,8 +205,8 @@
         </p:nvSpPr>
         <p:spPr>
           <a:xfrm>
-            <a:off x="838080" y="1825560"/>
-            <a:ext cx="5131080" cy="2075040"/>
+            <a:off x="609480" y="1604520"/>
+            <a:ext cx="5354280" cy="1896840"/>
           </a:xfrm>
           <a:prstGeom prst="rect">
             <a:avLst/>
@@ -219,7 +221,7 @@
       </p:sp>
       <p:sp>
         <p:nvSpPr>
-          <p:cNvPr id="32" name="PlaceHolder 3"/>
+          <p:cNvPr id="28" name="PlaceHolder 3"/>
           <p:cNvSpPr>
             <a:spLocks noGrp="1"/>
           </p:cNvSpPr>
@@ -229,8 +231,8 @@
         </p:nvSpPr>
         <p:spPr>
           <a:xfrm>
-            <a:off x="6226200" y="1825560"/>
-            <a:ext cx="5131080" cy="2075040"/>
+            <a:off x="6231960" y="1604520"/>
+            <a:ext cx="5354280" cy="1896840"/>
           </a:xfrm>
           <a:prstGeom prst="rect">
             <a:avLst/>
@@ -245,7 +247,7 @@
       </p:sp>
       <p:sp>
         <p:nvSpPr>
-          <p:cNvPr id="33" name="PlaceHolder 4"/>
+          <p:cNvPr id="29" name="PlaceHolder 4"/>
           <p:cNvSpPr>
             <a:spLocks noGrp="1"/>
           </p:cNvSpPr>
@@ -255,8 +257,8 @@
         </p:nvSpPr>
         <p:spPr>
           <a:xfrm>
-            <a:off x="6226200" y="4098240"/>
-            <a:ext cx="5131080" cy="2075040"/>
+            <a:off x="6231960" y="3682080"/>
+            <a:ext cx="5354280" cy="1896840"/>
           </a:xfrm>
           <a:prstGeom prst="rect">
             <a:avLst/>
@@ -271,7 +273,7 @@
       </p:sp>
       <p:sp>
         <p:nvSpPr>
-          <p:cNvPr id="34" name="PlaceHolder 5"/>
+          <p:cNvPr id="30" name="PlaceHolder 5"/>
           <p:cNvSpPr>
             <a:spLocks noGrp="1"/>
           </p:cNvSpPr>
@@ -281,8 +283,8 @@
         </p:nvSpPr>
         <p:spPr>
           <a:xfrm>
-            <a:off x="838080" y="4098240"/>
-            <a:ext cx="5131080" cy="2075040"/>
+            <a:off x="609480" y="3682080"/>
+            <a:ext cx="5354280" cy="1896840"/>
           </a:xfrm>
           <a:prstGeom prst="rect">
             <a:avLst/>
@@ -319,7 +321,7 @@
       </p:grpSpPr>
       <p:sp>
         <p:nvSpPr>
-          <p:cNvPr id="35" name="PlaceHolder 1"/>
+          <p:cNvPr id="31" name="PlaceHolder 1"/>
           <p:cNvSpPr>
             <a:spLocks noGrp="1"/>
           </p:cNvSpPr>
@@ -329,8 +331,8 @@
         </p:nvSpPr>
         <p:spPr>
           <a:xfrm>
-            <a:off x="838080" y="365040"/>
-            <a:ext cx="10515240" cy="1325160"/>
+            <a:off x="609480" y="273600"/>
+            <a:ext cx="10972440" cy="1144800"/>
           </a:xfrm>
           <a:prstGeom prst="rect">
             <a:avLst/>
@@ -339,13 +341,14 @@
         <p:txBody>
           <a:bodyPr lIns="0" rIns="0" tIns="0" bIns="0" anchor="ctr"/>
           <a:p>
-            <a:endParaRPr/>
-          </a:p>
-        </p:txBody>
-      </p:sp>
-      <p:sp>
-        <p:nvSpPr>
-          <p:cNvPr id="36" name="PlaceHolder 2"/>
+            <a:pPr algn="ctr"/>
+            <a:endParaRPr/>
+          </a:p>
+        </p:txBody>
+      </p:sp>
+      <p:sp>
+        <p:nvSpPr>
+          <p:cNvPr id="32" name="PlaceHolder 2"/>
           <p:cNvSpPr>
             <a:spLocks noGrp="1"/>
           </p:cNvSpPr>
@@ -355,8 +358,8 @@
         </p:nvSpPr>
         <p:spPr>
           <a:xfrm>
-            <a:off x="838080" y="1825560"/>
-            <a:ext cx="10515240" cy="4350960"/>
+            <a:off x="609480" y="1604520"/>
+            <a:ext cx="10972440" cy="3977280"/>
           </a:xfrm>
           <a:prstGeom prst="rect">
             <a:avLst/>
@@ -371,7 +374,7 @@
       </p:sp>
       <p:sp>
         <p:nvSpPr>
-          <p:cNvPr id="37" name="PlaceHolder 3"/>
+          <p:cNvPr id="33" name="PlaceHolder 3"/>
           <p:cNvSpPr>
             <a:spLocks noGrp="1"/>
           </p:cNvSpPr>
@@ -381,8 +384,8 @@
         </p:nvSpPr>
         <p:spPr>
           <a:xfrm>
-            <a:off x="838080" y="1825560"/>
-            <a:ext cx="10515240" cy="4350960"/>
+            <a:off x="609480" y="1604520"/>
+            <a:ext cx="10972440" cy="3977280"/>
           </a:xfrm>
           <a:prstGeom prst="rect">
             <a:avLst/>
@@ -397,7 +400,7 @@
       </p:sp>
       <p:pic>
         <p:nvPicPr>
-          <p:cNvPr id="38" name="" descr=""/>
+          <p:cNvPr id="34" name="" descr=""/>
           <p:cNvPicPr/>
           <p:nvPr/>
         </p:nvPicPr>
@@ -407,8 +410,8 @@
         </p:blipFill>
         <p:spPr>
           <a:xfrm>
-            <a:off x="3368880" y="1825560"/>
-            <a:ext cx="5452920" cy="4350960"/>
+            <a:off x="3602880" y="1604520"/>
+            <a:ext cx="4984920" cy="3977280"/>
           </a:xfrm>
           <a:prstGeom prst="rect">
             <a:avLst/>
@@ -420,7 +423,7 @@
       </p:pic>
       <p:pic>
         <p:nvPicPr>
-          <p:cNvPr id="39" name="" descr=""/>
+          <p:cNvPr id="35" name="" descr=""/>
           <p:cNvPicPr/>
           <p:nvPr/>
         </p:nvPicPr>
@@ -430,8 +433,8 @@
         </p:blipFill>
         <p:spPr>
           <a:xfrm>
-            <a:off x="3368880" y="1825560"/>
-            <a:ext cx="5452920" cy="4350960"/>
+            <a:off x="3602880" y="1604520"/>
+            <a:ext cx="4984920" cy="3977280"/>
           </a:xfrm>
           <a:prstGeom prst="rect">
             <a:avLst/>
@@ -487,7 +490,7 @@
       </p:grpSpPr>
       <p:sp>
         <p:nvSpPr>
-          <p:cNvPr id="45" name="PlaceHolder 1"/>
+          <p:cNvPr id="38" name="PlaceHolder 1"/>
           <p:cNvSpPr>
             <a:spLocks noGrp="1"/>
           </p:cNvSpPr>
@@ -497,8 +500,8 @@
         </p:nvSpPr>
         <p:spPr>
           <a:xfrm>
-            <a:off x="838080" y="365040"/>
-            <a:ext cx="10515240" cy="1325160"/>
+            <a:off x="609480" y="273600"/>
+            <a:ext cx="10972440" cy="1144800"/>
           </a:xfrm>
           <a:prstGeom prst="rect">
             <a:avLst/>
@@ -507,13 +510,14 @@
         <p:txBody>
           <a:bodyPr lIns="0" rIns="0" tIns="0" bIns="0" anchor="ctr"/>
           <a:p>
-            <a:endParaRPr/>
-          </a:p>
-        </p:txBody>
-      </p:sp>
-      <p:sp>
-        <p:nvSpPr>
-          <p:cNvPr id="46" name="PlaceHolder 2"/>
+            <a:pPr algn="ctr"/>
+            <a:endParaRPr/>
+          </a:p>
+        </p:txBody>
+      </p:sp>
+      <p:sp>
+        <p:nvSpPr>
+          <p:cNvPr id="39" name="PlaceHolder 2"/>
           <p:cNvSpPr>
             <a:spLocks noGrp="1"/>
           </p:cNvSpPr>
@@ -523,8 +527,8 @@
         </p:nvSpPr>
         <p:spPr>
           <a:xfrm>
-            <a:off x="838080" y="1825560"/>
-            <a:ext cx="10515240" cy="4350960"/>
+            <a:off x="609480" y="1604520"/>
+            <a:ext cx="10972440" cy="3977280"/>
           </a:xfrm>
           <a:prstGeom prst="rect">
             <a:avLst/>
@@ -562,7 +566,7 @@
       </p:grpSpPr>
       <p:sp>
         <p:nvSpPr>
-          <p:cNvPr id="47" name="PlaceHolder 1"/>
+          <p:cNvPr id="40" name="PlaceHolder 1"/>
           <p:cNvSpPr>
             <a:spLocks noGrp="1"/>
           </p:cNvSpPr>
@@ -572,8 +576,8 @@
         </p:nvSpPr>
         <p:spPr>
           <a:xfrm>
-            <a:off x="838080" y="365040"/>
-            <a:ext cx="10515240" cy="1325160"/>
+            <a:off x="609480" y="273600"/>
+            <a:ext cx="10972440" cy="1144800"/>
           </a:xfrm>
           <a:prstGeom prst="rect">
             <a:avLst/>
@@ -582,13 +586,14 @@
         <p:txBody>
           <a:bodyPr lIns="0" rIns="0" tIns="0" bIns="0" anchor="ctr"/>
           <a:p>
-            <a:endParaRPr/>
-          </a:p>
-        </p:txBody>
-      </p:sp>
-      <p:sp>
-        <p:nvSpPr>
-          <p:cNvPr id="48" name="PlaceHolder 2"/>
+            <a:pPr algn="ctr"/>
+            <a:endParaRPr/>
+          </a:p>
+        </p:txBody>
+      </p:sp>
+      <p:sp>
+        <p:nvSpPr>
+          <p:cNvPr id="41" name="PlaceHolder 2"/>
           <p:cNvSpPr>
             <a:spLocks noGrp="1"/>
           </p:cNvSpPr>
@@ -598,8 +603,8 @@
         </p:nvSpPr>
         <p:spPr>
           <a:xfrm>
-            <a:off x="838080" y="1825560"/>
-            <a:ext cx="10515240" cy="4350960"/>
+            <a:off x="609480" y="1604520"/>
+            <a:ext cx="10972440" cy="3977280"/>
           </a:xfrm>
           <a:prstGeom prst="rect">
             <a:avLst/>
@@ -636,7 +641,7 @@
       </p:grpSpPr>
       <p:sp>
         <p:nvSpPr>
-          <p:cNvPr id="49" name="PlaceHolder 1"/>
+          <p:cNvPr id="42" name="PlaceHolder 1"/>
           <p:cNvSpPr>
             <a:spLocks noGrp="1"/>
           </p:cNvSpPr>
@@ -646,8 +651,8 @@
         </p:nvSpPr>
         <p:spPr>
           <a:xfrm>
-            <a:off x="838080" y="365040"/>
-            <a:ext cx="10515240" cy="1325160"/>
+            <a:off x="609480" y="273600"/>
+            <a:ext cx="10972440" cy="1144800"/>
           </a:xfrm>
           <a:prstGeom prst="rect">
             <a:avLst/>
@@ -656,13 +661,14 @@
         <p:txBody>
           <a:bodyPr lIns="0" rIns="0" tIns="0" bIns="0" anchor="ctr"/>
           <a:p>
-            <a:endParaRPr/>
-          </a:p>
-        </p:txBody>
-      </p:sp>
-      <p:sp>
-        <p:nvSpPr>
-          <p:cNvPr id="50" name="PlaceHolder 2"/>
+            <a:pPr algn="ctr"/>
+            <a:endParaRPr/>
+          </a:p>
+        </p:txBody>
+      </p:sp>
+      <p:sp>
+        <p:nvSpPr>
+          <p:cNvPr id="43" name="PlaceHolder 2"/>
           <p:cNvSpPr>
             <a:spLocks noGrp="1"/>
           </p:cNvSpPr>
@@ -672,8 +678,8 @@
         </p:nvSpPr>
         <p:spPr>
           <a:xfrm>
-            <a:off x="838080" y="1825560"/>
-            <a:ext cx="5131080" cy="4350960"/>
+            <a:off x="609480" y="1604520"/>
+            <a:ext cx="5354280" cy="3977280"/>
           </a:xfrm>
           <a:prstGeom prst="rect">
             <a:avLst/>
@@ -688,7 +694,7 @@
       </p:sp>
       <p:sp>
         <p:nvSpPr>
-          <p:cNvPr id="51" name="PlaceHolder 3"/>
+          <p:cNvPr id="44" name="PlaceHolder 3"/>
           <p:cNvSpPr>
             <a:spLocks noGrp="1"/>
           </p:cNvSpPr>
@@ -698,8 +704,8 @@
         </p:nvSpPr>
         <p:spPr>
           <a:xfrm>
-            <a:off x="6226200" y="1825560"/>
-            <a:ext cx="5131080" cy="4350960"/>
+            <a:off x="6231960" y="1604520"/>
+            <a:ext cx="5354280" cy="3977280"/>
           </a:xfrm>
           <a:prstGeom prst="rect">
             <a:avLst/>
@@ -736,7 +742,7 @@
       </p:grpSpPr>
       <p:sp>
         <p:nvSpPr>
-          <p:cNvPr id="52" name="PlaceHolder 1"/>
+          <p:cNvPr id="45" name="PlaceHolder 1"/>
           <p:cNvSpPr>
             <a:spLocks noGrp="1"/>
           </p:cNvSpPr>
@@ -746,8 +752,8 @@
         </p:nvSpPr>
         <p:spPr>
           <a:xfrm>
-            <a:off x="838080" y="365040"/>
-            <a:ext cx="10515240" cy="1325160"/>
+            <a:off x="609480" y="273600"/>
+            <a:ext cx="10972440" cy="1144800"/>
           </a:xfrm>
           <a:prstGeom prst="rect">
             <a:avLst/>
@@ -756,6 +762,7 @@
         <p:txBody>
           <a:bodyPr lIns="0" rIns="0" tIns="0" bIns="0" anchor="ctr"/>
           <a:p>
+            <a:pPr algn="ctr"/>
             <a:endParaRPr/>
           </a:p>
         </p:txBody>
@@ -784,7 +791,7 @@
       </p:grpSpPr>
       <p:sp>
         <p:nvSpPr>
-          <p:cNvPr id="53" name="PlaceHolder 1"/>
+          <p:cNvPr id="46" name="PlaceHolder 1"/>
           <p:cNvSpPr>
             <a:spLocks noGrp="1"/>
           </p:cNvSpPr>
@@ -794,8 +801,8 @@
         </p:nvSpPr>
         <p:spPr>
           <a:xfrm>
-            <a:off x="838080" y="365040"/>
-            <a:ext cx="10515240" cy="6144120"/>
+            <a:off x="609480" y="273600"/>
+            <a:ext cx="10972440" cy="5307840"/>
           </a:xfrm>
           <a:prstGeom prst="rect">
             <a:avLst/>
@@ -833,7 +840,7 @@
       </p:grpSpPr>
       <p:sp>
         <p:nvSpPr>
-          <p:cNvPr id="54" name="PlaceHolder 1"/>
+          <p:cNvPr id="47" name="PlaceHolder 1"/>
           <p:cNvSpPr>
             <a:spLocks noGrp="1"/>
           </p:cNvSpPr>
@@ -843,8 +850,8 @@
         </p:nvSpPr>
         <p:spPr>
           <a:xfrm>
-            <a:off x="838080" y="365040"/>
-            <a:ext cx="10515240" cy="1325160"/>
+            <a:off x="609480" y="273600"/>
+            <a:ext cx="10972440" cy="1144800"/>
           </a:xfrm>
           <a:prstGeom prst="rect">
             <a:avLst/>
@@ -853,13 +860,14 @@
         <p:txBody>
           <a:bodyPr lIns="0" rIns="0" tIns="0" bIns="0" anchor="ctr"/>
           <a:p>
-            <a:endParaRPr/>
-          </a:p>
-        </p:txBody>
-      </p:sp>
-      <p:sp>
-        <p:nvSpPr>
-          <p:cNvPr id="55" name="PlaceHolder 2"/>
+            <a:pPr algn="ctr"/>
+            <a:endParaRPr/>
+          </a:p>
+        </p:txBody>
+      </p:sp>
+      <p:sp>
+        <p:nvSpPr>
+          <p:cNvPr id="48" name="PlaceHolder 2"/>
           <p:cNvSpPr>
             <a:spLocks noGrp="1"/>
           </p:cNvSpPr>
@@ -869,8 +877,8 @@
         </p:nvSpPr>
         <p:spPr>
           <a:xfrm>
-            <a:off x="838080" y="1825560"/>
-            <a:ext cx="5131080" cy="2075040"/>
+            <a:off x="609480" y="1604520"/>
+            <a:ext cx="5354280" cy="1896840"/>
           </a:xfrm>
           <a:prstGeom prst="rect">
             <a:avLst/>
@@ -885,7 +893,7 @@
       </p:sp>
       <p:sp>
         <p:nvSpPr>
-          <p:cNvPr id="56" name="PlaceHolder 3"/>
+          <p:cNvPr id="49" name="PlaceHolder 3"/>
           <p:cNvSpPr>
             <a:spLocks noGrp="1"/>
           </p:cNvSpPr>
@@ -895,8 +903,8 @@
         </p:nvSpPr>
         <p:spPr>
           <a:xfrm>
-            <a:off x="838080" y="4098240"/>
-            <a:ext cx="5131080" cy="2075040"/>
+            <a:off x="609480" y="3682080"/>
+            <a:ext cx="5354280" cy="1896840"/>
           </a:xfrm>
           <a:prstGeom prst="rect">
             <a:avLst/>
@@ -911,7 +919,7 @@
       </p:sp>
       <p:sp>
         <p:nvSpPr>
-          <p:cNvPr id="57" name="PlaceHolder 4"/>
+          <p:cNvPr id="50" name="PlaceHolder 4"/>
           <p:cNvSpPr>
             <a:spLocks noGrp="1"/>
           </p:cNvSpPr>
@@ -921,8 +929,8 @@
         </p:nvSpPr>
         <p:spPr>
           <a:xfrm>
-            <a:off x="6226200" y="1825560"/>
-            <a:ext cx="5131080" cy="4350960"/>
+            <a:off x="6231960" y="1604520"/>
+            <a:ext cx="5354280" cy="3977280"/>
           </a:xfrm>
           <a:prstGeom prst="rect">
             <a:avLst/>
@@ -959,7 +967,7 @@
       </p:grpSpPr>
       <p:sp>
         <p:nvSpPr>
-          <p:cNvPr id="6" name="PlaceHolder 1"/>
+          <p:cNvPr id="2" name="PlaceHolder 1"/>
           <p:cNvSpPr>
             <a:spLocks noGrp="1"/>
           </p:cNvSpPr>
@@ -969,8 +977,8 @@
         </p:nvSpPr>
         <p:spPr>
           <a:xfrm>
-            <a:off x="838080" y="365040"/>
-            <a:ext cx="10515240" cy="1325160"/>
+            <a:off x="609480" y="273600"/>
+            <a:ext cx="10972440" cy="1144800"/>
           </a:xfrm>
           <a:prstGeom prst="rect">
             <a:avLst/>
@@ -979,13 +987,14 @@
         <p:txBody>
           <a:bodyPr lIns="0" rIns="0" tIns="0" bIns="0" anchor="ctr"/>
           <a:p>
-            <a:endParaRPr/>
-          </a:p>
-        </p:txBody>
-      </p:sp>
-      <p:sp>
-        <p:nvSpPr>
-          <p:cNvPr id="7" name="PlaceHolder 2"/>
+            <a:pPr algn="ctr"/>
+            <a:endParaRPr/>
+          </a:p>
+        </p:txBody>
+      </p:sp>
+      <p:sp>
+        <p:nvSpPr>
+          <p:cNvPr id="3" name="PlaceHolder 2"/>
           <p:cNvSpPr>
             <a:spLocks noGrp="1"/>
           </p:cNvSpPr>
@@ -995,8 +1004,8 @@
         </p:nvSpPr>
         <p:spPr>
           <a:xfrm>
-            <a:off x="838080" y="1825560"/>
-            <a:ext cx="10515240" cy="4350960"/>
+            <a:off x="609480" y="1604520"/>
+            <a:ext cx="10972440" cy="3977280"/>
           </a:xfrm>
           <a:prstGeom prst="rect">
             <a:avLst/>
@@ -1034,7 +1043,7 @@
       </p:grpSpPr>
       <p:sp>
         <p:nvSpPr>
-          <p:cNvPr id="58" name="PlaceHolder 1"/>
+          <p:cNvPr id="51" name="PlaceHolder 1"/>
           <p:cNvSpPr>
             <a:spLocks noGrp="1"/>
           </p:cNvSpPr>
@@ -1044,8 +1053,8 @@
         </p:nvSpPr>
         <p:spPr>
           <a:xfrm>
-            <a:off x="838080" y="365040"/>
-            <a:ext cx="10515240" cy="1325160"/>
+            <a:off x="609480" y="273600"/>
+            <a:ext cx="10972440" cy="1144800"/>
           </a:xfrm>
           <a:prstGeom prst="rect">
             <a:avLst/>
@@ -1054,13 +1063,14 @@
         <p:txBody>
           <a:bodyPr lIns="0" rIns="0" tIns="0" bIns="0" anchor="ctr"/>
           <a:p>
-            <a:endParaRPr/>
-          </a:p>
-        </p:txBody>
-      </p:sp>
-      <p:sp>
-        <p:nvSpPr>
-          <p:cNvPr id="59" name="PlaceHolder 2"/>
+            <a:pPr algn="ctr"/>
+            <a:endParaRPr/>
+          </a:p>
+        </p:txBody>
+      </p:sp>
+      <p:sp>
+        <p:nvSpPr>
+          <p:cNvPr id="52" name="PlaceHolder 2"/>
           <p:cNvSpPr>
             <a:spLocks noGrp="1"/>
           </p:cNvSpPr>
@@ -1070,8 +1080,8 @@
         </p:nvSpPr>
         <p:spPr>
           <a:xfrm>
-            <a:off x="838080" y="1825560"/>
-            <a:ext cx="5131080" cy="4350960"/>
+            <a:off x="609480" y="1604520"/>
+            <a:ext cx="5354280" cy="3977280"/>
           </a:xfrm>
           <a:prstGeom prst="rect">
             <a:avLst/>
@@ -1086,7 +1096,7 @@
       </p:sp>
       <p:sp>
         <p:nvSpPr>
-          <p:cNvPr id="60" name="PlaceHolder 3"/>
+          <p:cNvPr id="53" name="PlaceHolder 3"/>
           <p:cNvSpPr>
             <a:spLocks noGrp="1"/>
           </p:cNvSpPr>
@@ -1096,8 +1106,8 @@
         </p:nvSpPr>
         <p:spPr>
           <a:xfrm>
-            <a:off x="6226200" y="1825560"/>
-            <a:ext cx="5131080" cy="2075040"/>
+            <a:off x="6231960" y="1604520"/>
+            <a:ext cx="5354280" cy="1896840"/>
           </a:xfrm>
           <a:prstGeom prst="rect">
             <a:avLst/>
@@ -1112,7 +1122,7 @@
       </p:sp>
       <p:sp>
         <p:nvSpPr>
-          <p:cNvPr id="61" name="PlaceHolder 4"/>
+          <p:cNvPr id="54" name="PlaceHolder 4"/>
           <p:cNvSpPr>
             <a:spLocks noGrp="1"/>
           </p:cNvSpPr>
@@ -1122,8 +1132,8 @@
         </p:nvSpPr>
         <p:spPr>
           <a:xfrm>
-            <a:off x="6226200" y="4098240"/>
-            <a:ext cx="5131080" cy="2075040"/>
+            <a:off x="6231960" y="3682080"/>
+            <a:ext cx="5354280" cy="1896840"/>
           </a:xfrm>
           <a:prstGeom prst="rect">
             <a:avLst/>
@@ -1160,7 +1170,7 @@
       </p:grpSpPr>
       <p:sp>
         <p:nvSpPr>
-          <p:cNvPr id="62" name="PlaceHolder 1"/>
+          <p:cNvPr id="55" name="PlaceHolder 1"/>
           <p:cNvSpPr>
             <a:spLocks noGrp="1"/>
           </p:cNvSpPr>
@@ -1170,8 +1180,8 @@
         </p:nvSpPr>
         <p:spPr>
           <a:xfrm>
-            <a:off x="838080" y="365040"/>
-            <a:ext cx="10515240" cy="1325160"/>
+            <a:off x="609480" y="273600"/>
+            <a:ext cx="10972440" cy="1144800"/>
           </a:xfrm>
           <a:prstGeom prst="rect">
             <a:avLst/>
@@ -1180,13 +1190,14 @@
         <p:txBody>
           <a:bodyPr lIns="0" rIns="0" tIns="0" bIns="0" anchor="ctr"/>
           <a:p>
-            <a:endParaRPr/>
-          </a:p>
-        </p:txBody>
-      </p:sp>
-      <p:sp>
-        <p:nvSpPr>
-          <p:cNvPr id="63" name="PlaceHolder 2"/>
+            <a:pPr algn="ctr"/>
+            <a:endParaRPr/>
+          </a:p>
+        </p:txBody>
+      </p:sp>
+      <p:sp>
+        <p:nvSpPr>
+          <p:cNvPr id="56" name="PlaceHolder 2"/>
           <p:cNvSpPr>
             <a:spLocks noGrp="1"/>
           </p:cNvSpPr>
@@ -1196,8 +1207,8 @@
         </p:nvSpPr>
         <p:spPr>
           <a:xfrm>
-            <a:off x="838080" y="1825560"/>
-            <a:ext cx="5131080" cy="2075040"/>
+            <a:off x="609480" y="1604520"/>
+            <a:ext cx="5354280" cy="1896840"/>
           </a:xfrm>
           <a:prstGeom prst="rect">
             <a:avLst/>
@@ -1212,7 +1223,7 @@
       </p:sp>
       <p:sp>
         <p:nvSpPr>
-          <p:cNvPr id="64" name="PlaceHolder 3"/>
+          <p:cNvPr id="57" name="PlaceHolder 3"/>
           <p:cNvSpPr>
             <a:spLocks noGrp="1"/>
           </p:cNvSpPr>
@@ -1222,8 +1233,8 @@
         </p:nvSpPr>
         <p:spPr>
           <a:xfrm>
-            <a:off x="6226200" y="1825560"/>
-            <a:ext cx="5131080" cy="2075040"/>
+            <a:off x="6231960" y="1604520"/>
+            <a:ext cx="5354280" cy="1896840"/>
           </a:xfrm>
           <a:prstGeom prst="rect">
             <a:avLst/>
@@ -1238,7 +1249,7 @@
       </p:sp>
       <p:sp>
         <p:nvSpPr>
-          <p:cNvPr id="65" name="PlaceHolder 4"/>
+          <p:cNvPr id="58" name="PlaceHolder 4"/>
           <p:cNvSpPr>
             <a:spLocks noGrp="1"/>
           </p:cNvSpPr>
@@ -1248,8 +1259,8 @@
         </p:nvSpPr>
         <p:spPr>
           <a:xfrm>
-            <a:off x="838080" y="4098240"/>
-            <a:ext cx="10515240" cy="2075040"/>
+            <a:off x="609480" y="3682080"/>
+            <a:ext cx="10972440" cy="1896840"/>
           </a:xfrm>
           <a:prstGeom prst="rect">
             <a:avLst/>
@@ -1286,7 +1297,7 @@
       </p:grpSpPr>
       <p:sp>
         <p:nvSpPr>
-          <p:cNvPr id="66" name="PlaceHolder 1"/>
+          <p:cNvPr id="59" name="PlaceHolder 1"/>
           <p:cNvSpPr>
             <a:spLocks noGrp="1"/>
           </p:cNvSpPr>
@@ -1296,8 +1307,8 @@
         </p:nvSpPr>
         <p:spPr>
           <a:xfrm>
-            <a:off x="838080" y="365040"/>
-            <a:ext cx="10515240" cy="1325160"/>
+            <a:off x="609480" y="273600"/>
+            <a:ext cx="10972440" cy="1144800"/>
           </a:xfrm>
           <a:prstGeom prst="rect">
             <a:avLst/>
@@ -1306,13 +1317,14 @@
         <p:txBody>
           <a:bodyPr lIns="0" rIns="0" tIns="0" bIns="0" anchor="ctr"/>
           <a:p>
-            <a:endParaRPr/>
-          </a:p>
-        </p:txBody>
-      </p:sp>
-      <p:sp>
-        <p:nvSpPr>
-          <p:cNvPr id="67" name="PlaceHolder 2"/>
+            <a:pPr algn="ctr"/>
+            <a:endParaRPr/>
+          </a:p>
+        </p:txBody>
+      </p:sp>
+      <p:sp>
+        <p:nvSpPr>
+          <p:cNvPr id="60" name="PlaceHolder 2"/>
           <p:cNvSpPr>
             <a:spLocks noGrp="1"/>
           </p:cNvSpPr>
@@ -1322,8 +1334,8 @@
         </p:nvSpPr>
         <p:spPr>
           <a:xfrm>
-            <a:off x="838080" y="1825560"/>
-            <a:ext cx="10515240" cy="2075040"/>
+            <a:off x="609480" y="1604520"/>
+            <a:ext cx="10972440" cy="1896840"/>
           </a:xfrm>
           <a:prstGeom prst="rect">
             <a:avLst/>
@@ -1338,7 +1350,7 @@
       </p:sp>
       <p:sp>
         <p:nvSpPr>
-          <p:cNvPr id="68" name="PlaceHolder 3"/>
+          <p:cNvPr id="61" name="PlaceHolder 3"/>
           <p:cNvSpPr>
             <a:spLocks noGrp="1"/>
           </p:cNvSpPr>
@@ -1348,8 +1360,8 @@
         </p:nvSpPr>
         <p:spPr>
           <a:xfrm>
-            <a:off x="838080" y="4098240"/>
-            <a:ext cx="10515240" cy="2075040"/>
+            <a:off x="609480" y="3682080"/>
+            <a:ext cx="10972440" cy="1896840"/>
           </a:xfrm>
           <a:prstGeom prst="rect">
             <a:avLst/>
@@ -1386,7 +1398,7 @@
       </p:grpSpPr>
       <p:sp>
         <p:nvSpPr>
-          <p:cNvPr id="69" name="PlaceHolder 1"/>
+          <p:cNvPr id="62" name="PlaceHolder 1"/>
           <p:cNvSpPr>
             <a:spLocks noGrp="1"/>
           </p:cNvSpPr>
@@ -1396,8 +1408,8 @@
         </p:nvSpPr>
         <p:spPr>
           <a:xfrm>
-            <a:off x="838080" y="365040"/>
-            <a:ext cx="10515240" cy="1325160"/>
+            <a:off x="609480" y="273600"/>
+            <a:ext cx="10972440" cy="1144800"/>
           </a:xfrm>
           <a:prstGeom prst="rect">
             <a:avLst/>
@@ -1406,13 +1418,14 @@
         <p:txBody>
           <a:bodyPr lIns="0" rIns="0" tIns="0" bIns="0" anchor="ctr"/>
           <a:p>
-            <a:endParaRPr/>
-          </a:p>
-        </p:txBody>
-      </p:sp>
-      <p:sp>
-        <p:nvSpPr>
-          <p:cNvPr id="70" name="PlaceHolder 2"/>
+            <a:pPr algn="ctr"/>
+            <a:endParaRPr/>
+          </a:p>
+        </p:txBody>
+      </p:sp>
+      <p:sp>
+        <p:nvSpPr>
+          <p:cNvPr id="63" name="PlaceHolder 2"/>
           <p:cNvSpPr>
             <a:spLocks noGrp="1"/>
           </p:cNvSpPr>
@@ -1422,8 +1435,8 @@
         </p:nvSpPr>
         <p:spPr>
           <a:xfrm>
-            <a:off x="838080" y="1825560"/>
-            <a:ext cx="5131080" cy="2075040"/>
+            <a:off x="609480" y="1604520"/>
+            <a:ext cx="5354280" cy="1896840"/>
           </a:xfrm>
           <a:prstGeom prst="rect">
             <a:avLst/>
@@ -1438,7 +1451,7 @@
       </p:sp>
       <p:sp>
         <p:nvSpPr>
-          <p:cNvPr id="71" name="PlaceHolder 3"/>
+          <p:cNvPr id="64" name="PlaceHolder 3"/>
           <p:cNvSpPr>
             <a:spLocks noGrp="1"/>
           </p:cNvSpPr>
@@ -1448,8 +1461,8 @@
         </p:nvSpPr>
         <p:spPr>
           <a:xfrm>
-            <a:off x="6226200" y="1825560"/>
-            <a:ext cx="5131080" cy="2075040"/>
+            <a:off x="6231960" y="1604520"/>
+            <a:ext cx="5354280" cy="1896840"/>
           </a:xfrm>
           <a:prstGeom prst="rect">
             <a:avLst/>
@@ -1464,7 +1477,7 @@
       </p:sp>
       <p:sp>
         <p:nvSpPr>
-          <p:cNvPr id="72" name="PlaceHolder 4"/>
+          <p:cNvPr id="65" name="PlaceHolder 4"/>
           <p:cNvSpPr>
             <a:spLocks noGrp="1"/>
           </p:cNvSpPr>
@@ -1474,8 +1487,8 @@
         </p:nvSpPr>
         <p:spPr>
           <a:xfrm>
-            <a:off x="6226200" y="4098240"/>
-            <a:ext cx="5131080" cy="2075040"/>
+            <a:off x="6231960" y="3682080"/>
+            <a:ext cx="5354280" cy="1896840"/>
           </a:xfrm>
           <a:prstGeom prst="rect">
             <a:avLst/>
@@ -1490,7 +1503,7 @@
       </p:sp>
       <p:sp>
         <p:nvSpPr>
-          <p:cNvPr id="73" name="PlaceHolder 5"/>
+          <p:cNvPr id="66" name="PlaceHolder 5"/>
           <p:cNvSpPr>
             <a:spLocks noGrp="1"/>
           </p:cNvSpPr>
@@ -1500,8 +1513,8 @@
         </p:nvSpPr>
         <p:spPr>
           <a:xfrm>
-            <a:off x="838080" y="4098240"/>
-            <a:ext cx="5131080" cy="2075040"/>
+            <a:off x="609480" y="3682080"/>
+            <a:ext cx="5354280" cy="1896840"/>
           </a:xfrm>
           <a:prstGeom prst="rect">
             <a:avLst/>
@@ -1538,7 +1551,7 @@
       </p:grpSpPr>
       <p:sp>
         <p:nvSpPr>
-          <p:cNvPr id="74" name="PlaceHolder 1"/>
+          <p:cNvPr id="67" name="PlaceHolder 1"/>
           <p:cNvSpPr>
             <a:spLocks noGrp="1"/>
           </p:cNvSpPr>
@@ -1548,8 +1561,8 @@
         </p:nvSpPr>
         <p:spPr>
           <a:xfrm>
-            <a:off x="838080" y="365040"/>
-            <a:ext cx="10515240" cy="1325160"/>
+            <a:off x="609480" y="273600"/>
+            <a:ext cx="10972440" cy="1144800"/>
           </a:xfrm>
           <a:prstGeom prst="rect">
             <a:avLst/>
@@ -1558,13 +1571,14 @@
         <p:txBody>
           <a:bodyPr lIns="0" rIns="0" tIns="0" bIns="0" anchor="ctr"/>
           <a:p>
-            <a:endParaRPr/>
-          </a:p>
-        </p:txBody>
-      </p:sp>
-      <p:sp>
-        <p:nvSpPr>
-          <p:cNvPr id="75" name="PlaceHolder 2"/>
+            <a:pPr algn="ctr"/>
+            <a:endParaRPr/>
+          </a:p>
+        </p:txBody>
+      </p:sp>
+      <p:sp>
+        <p:nvSpPr>
+          <p:cNvPr id="68" name="PlaceHolder 2"/>
           <p:cNvSpPr>
             <a:spLocks noGrp="1"/>
           </p:cNvSpPr>
@@ -1574,8 +1588,8 @@
         </p:nvSpPr>
         <p:spPr>
           <a:xfrm>
-            <a:off x="838080" y="1825560"/>
-            <a:ext cx="10515240" cy="4350960"/>
+            <a:off x="609480" y="1604520"/>
+            <a:ext cx="10972440" cy="3977280"/>
           </a:xfrm>
           <a:prstGeom prst="rect">
             <a:avLst/>
@@ -1590,7 +1604,7 @@
       </p:sp>
       <p:sp>
         <p:nvSpPr>
-          <p:cNvPr id="76" name="PlaceHolder 3"/>
+          <p:cNvPr id="69" name="PlaceHolder 3"/>
           <p:cNvSpPr>
             <a:spLocks noGrp="1"/>
           </p:cNvSpPr>
@@ -1600,8 +1614,8 @@
         </p:nvSpPr>
         <p:spPr>
           <a:xfrm>
-            <a:off x="838080" y="1825560"/>
-            <a:ext cx="10515240" cy="4350960"/>
+            <a:off x="609480" y="1604520"/>
+            <a:ext cx="10972440" cy="3977280"/>
           </a:xfrm>
           <a:prstGeom prst="rect">
             <a:avLst/>
@@ -1616,7 +1630,7 @@
       </p:sp>
       <p:pic>
         <p:nvPicPr>
-          <p:cNvPr id="77" name="" descr=""/>
+          <p:cNvPr id="70" name="" descr=""/>
           <p:cNvPicPr/>
           <p:nvPr/>
         </p:nvPicPr>
@@ -1626,8 +1640,8 @@
         </p:blipFill>
         <p:spPr>
           <a:xfrm>
-            <a:off x="3368880" y="1825560"/>
-            <a:ext cx="5452920" cy="4350960"/>
+            <a:off x="3602880" y="1604520"/>
+            <a:ext cx="4984920" cy="3977280"/>
           </a:xfrm>
           <a:prstGeom prst="rect">
             <a:avLst/>
@@ -1639,7 +1653,7 @@
       </p:pic>
       <p:pic>
         <p:nvPicPr>
-          <p:cNvPr id="78" name="" descr=""/>
+          <p:cNvPr id="71" name="" descr=""/>
           <p:cNvPicPr/>
           <p:nvPr/>
         </p:nvPicPr>
@@ -1649,8 +1663,8 @@
         </p:blipFill>
         <p:spPr>
           <a:xfrm>
-            <a:off x="3368880" y="1825560"/>
-            <a:ext cx="5452920" cy="4350960"/>
+            <a:off x="3602880" y="1604520"/>
+            <a:ext cx="4984920" cy="3977280"/>
           </a:xfrm>
           <a:prstGeom prst="rect">
             <a:avLst/>
@@ -1684,7 +1698,7 @@
       </p:grpSpPr>
       <p:sp>
         <p:nvSpPr>
-          <p:cNvPr id="8" name="PlaceHolder 1"/>
+          <p:cNvPr id="4" name="PlaceHolder 1"/>
           <p:cNvSpPr>
             <a:spLocks noGrp="1"/>
           </p:cNvSpPr>
@@ -1694,8 +1708,8 @@
         </p:nvSpPr>
         <p:spPr>
           <a:xfrm>
-            <a:off x="838080" y="365040"/>
-            <a:ext cx="10515240" cy="1325160"/>
+            <a:off x="609480" y="273600"/>
+            <a:ext cx="10972440" cy="1144800"/>
           </a:xfrm>
           <a:prstGeom prst="rect">
             <a:avLst/>
@@ -1704,13 +1718,14 @@
         <p:txBody>
           <a:bodyPr lIns="0" rIns="0" tIns="0" bIns="0" anchor="ctr"/>
           <a:p>
-            <a:endParaRPr/>
-          </a:p>
-        </p:txBody>
-      </p:sp>
-      <p:sp>
-        <p:nvSpPr>
-          <p:cNvPr id="9" name="PlaceHolder 2"/>
+            <a:pPr algn="ctr"/>
+            <a:endParaRPr/>
+          </a:p>
+        </p:txBody>
+      </p:sp>
+      <p:sp>
+        <p:nvSpPr>
+          <p:cNvPr id="5" name="PlaceHolder 2"/>
           <p:cNvSpPr>
             <a:spLocks noGrp="1"/>
           </p:cNvSpPr>
@@ -1720,8 +1735,8 @@
         </p:nvSpPr>
         <p:spPr>
           <a:xfrm>
-            <a:off x="838080" y="1825560"/>
-            <a:ext cx="10515240" cy="4350960"/>
+            <a:off x="609480" y="1604520"/>
+            <a:ext cx="10972440" cy="3977280"/>
           </a:xfrm>
           <a:prstGeom prst="rect">
             <a:avLst/>
@@ -1758,7 +1773,7 @@
       </p:grpSpPr>
       <p:sp>
         <p:nvSpPr>
-          <p:cNvPr id="10" name="PlaceHolder 1"/>
+          <p:cNvPr id="6" name="PlaceHolder 1"/>
           <p:cNvSpPr>
             <a:spLocks noGrp="1"/>
           </p:cNvSpPr>
@@ -1768,8 +1783,8 @@
         </p:nvSpPr>
         <p:spPr>
           <a:xfrm>
-            <a:off x="838080" y="365040"/>
-            <a:ext cx="10515240" cy="1325160"/>
+            <a:off x="609480" y="273600"/>
+            <a:ext cx="10972440" cy="1144800"/>
           </a:xfrm>
           <a:prstGeom prst="rect">
             <a:avLst/>
@@ -1778,13 +1793,14 @@
         <p:txBody>
           <a:bodyPr lIns="0" rIns="0" tIns="0" bIns="0" anchor="ctr"/>
           <a:p>
-            <a:endParaRPr/>
-          </a:p>
-        </p:txBody>
-      </p:sp>
-      <p:sp>
-        <p:nvSpPr>
-          <p:cNvPr id="11" name="PlaceHolder 2"/>
+            <a:pPr algn="ctr"/>
+            <a:endParaRPr/>
+          </a:p>
+        </p:txBody>
+      </p:sp>
+      <p:sp>
+        <p:nvSpPr>
+          <p:cNvPr id="7" name="PlaceHolder 2"/>
           <p:cNvSpPr>
             <a:spLocks noGrp="1"/>
           </p:cNvSpPr>
@@ -1794,8 +1810,8 @@
         </p:nvSpPr>
         <p:spPr>
           <a:xfrm>
-            <a:off x="838080" y="1825560"/>
-            <a:ext cx="5131080" cy="4350960"/>
+            <a:off x="609480" y="1604520"/>
+            <a:ext cx="5354280" cy="3977280"/>
           </a:xfrm>
           <a:prstGeom prst="rect">
             <a:avLst/>
@@ -1810,7 +1826,7 @@
       </p:sp>
       <p:sp>
         <p:nvSpPr>
-          <p:cNvPr id="12" name="PlaceHolder 3"/>
+          <p:cNvPr id="8" name="PlaceHolder 3"/>
           <p:cNvSpPr>
             <a:spLocks noGrp="1"/>
           </p:cNvSpPr>
@@ -1820,8 +1836,8 @@
         </p:nvSpPr>
         <p:spPr>
           <a:xfrm>
-            <a:off x="6226200" y="1825560"/>
-            <a:ext cx="5131080" cy="4350960"/>
+            <a:off x="6231960" y="1604520"/>
+            <a:ext cx="5354280" cy="3977280"/>
           </a:xfrm>
           <a:prstGeom prst="rect">
             <a:avLst/>
@@ -1858,7 +1874,7 @@
       </p:grpSpPr>
       <p:sp>
         <p:nvSpPr>
-          <p:cNvPr id="13" name="PlaceHolder 1"/>
+          <p:cNvPr id="9" name="PlaceHolder 1"/>
           <p:cNvSpPr>
             <a:spLocks noGrp="1"/>
           </p:cNvSpPr>
@@ -1868,8 +1884,8 @@
         </p:nvSpPr>
         <p:spPr>
           <a:xfrm>
-            <a:off x="838080" y="365040"/>
-            <a:ext cx="10515240" cy="1325160"/>
+            <a:off x="609480" y="273600"/>
+            <a:ext cx="10972440" cy="1144800"/>
           </a:xfrm>
           <a:prstGeom prst="rect">
             <a:avLst/>
@@ -1878,6 +1894,7 @@
         <p:txBody>
           <a:bodyPr lIns="0" rIns="0" tIns="0" bIns="0" anchor="ctr"/>
           <a:p>
+            <a:pPr algn="ctr"/>
             <a:endParaRPr/>
           </a:p>
         </p:txBody>
@@ -1906,7 +1923,7 @@
       </p:grpSpPr>
       <p:sp>
         <p:nvSpPr>
-          <p:cNvPr id="14" name="PlaceHolder 1"/>
+          <p:cNvPr id="10" name="PlaceHolder 1"/>
           <p:cNvSpPr>
             <a:spLocks noGrp="1"/>
           </p:cNvSpPr>
@@ -1916,8 +1933,8 @@
         </p:nvSpPr>
         <p:spPr>
           <a:xfrm>
-            <a:off x="838080" y="365040"/>
-            <a:ext cx="10515240" cy="6144120"/>
+            <a:off x="609480" y="273600"/>
+            <a:ext cx="10972440" cy="5307840"/>
           </a:xfrm>
           <a:prstGeom prst="rect">
             <a:avLst/>
@@ -1955,7 +1972,7 @@
       </p:grpSpPr>
       <p:sp>
         <p:nvSpPr>
-          <p:cNvPr id="15" name="PlaceHolder 1"/>
+          <p:cNvPr id="11" name="PlaceHolder 1"/>
           <p:cNvSpPr>
             <a:spLocks noGrp="1"/>
           </p:cNvSpPr>
@@ -1965,8 +1982,8 @@
         </p:nvSpPr>
         <p:spPr>
           <a:xfrm>
-            <a:off x="838080" y="365040"/>
-            <a:ext cx="10515240" cy="1325160"/>
+            <a:off x="609480" y="273600"/>
+            <a:ext cx="10972440" cy="1144800"/>
           </a:xfrm>
           <a:prstGeom prst="rect">
             <a:avLst/>
@@ -1975,13 +1992,14 @@
         <p:txBody>
           <a:bodyPr lIns="0" rIns="0" tIns="0" bIns="0" anchor="ctr"/>
           <a:p>
-            <a:endParaRPr/>
-          </a:p>
-        </p:txBody>
-      </p:sp>
-      <p:sp>
-        <p:nvSpPr>
-          <p:cNvPr id="16" name="PlaceHolder 2"/>
+            <a:pPr algn="ctr"/>
+            <a:endParaRPr/>
+          </a:p>
+        </p:txBody>
+      </p:sp>
+      <p:sp>
+        <p:nvSpPr>
+          <p:cNvPr id="12" name="PlaceHolder 2"/>
           <p:cNvSpPr>
             <a:spLocks noGrp="1"/>
           </p:cNvSpPr>
@@ -1991,8 +2009,8 @@
         </p:nvSpPr>
         <p:spPr>
           <a:xfrm>
-            <a:off x="838080" y="1825560"/>
-            <a:ext cx="5131080" cy="2075040"/>
+            <a:off x="609480" y="1604520"/>
+            <a:ext cx="5354280" cy="1896840"/>
           </a:xfrm>
           <a:prstGeom prst="rect">
             <a:avLst/>
@@ -2007,7 +2025,7 @@
       </p:sp>
       <p:sp>
         <p:nvSpPr>
-          <p:cNvPr id="17" name="PlaceHolder 3"/>
+          <p:cNvPr id="13" name="PlaceHolder 3"/>
           <p:cNvSpPr>
             <a:spLocks noGrp="1"/>
           </p:cNvSpPr>
@@ -2017,8 +2035,8 @@
         </p:nvSpPr>
         <p:spPr>
           <a:xfrm>
-            <a:off x="838080" y="4098240"/>
-            <a:ext cx="5131080" cy="2075040"/>
+            <a:off x="609480" y="3682080"/>
+            <a:ext cx="5354280" cy="1896840"/>
           </a:xfrm>
           <a:prstGeom prst="rect">
             <a:avLst/>
@@ -2033,7 +2051,7 @@
       </p:sp>
       <p:sp>
         <p:nvSpPr>
-          <p:cNvPr id="18" name="PlaceHolder 4"/>
+          <p:cNvPr id="14" name="PlaceHolder 4"/>
           <p:cNvSpPr>
             <a:spLocks noGrp="1"/>
           </p:cNvSpPr>
@@ -2043,8 +2061,8 @@
         </p:nvSpPr>
         <p:spPr>
           <a:xfrm>
-            <a:off x="6226200" y="1825560"/>
-            <a:ext cx="5131080" cy="4350960"/>
+            <a:off x="6231960" y="1604520"/>
+            <a:ext cx="5354280" cy="3977280"/>
           </a:xfrm>
           <a:prstGeom prst="rect">
             <a:avLst/>
@@ -2081,7 +2099,7 @@
       </p:grpSpPr>
       <p:sp>
         <p:nvSpPr>
-          <p:cNvPr id="19" name="PlaceHolder 1"/>
+          <p:cNvPr id="15" name="PlaceHolder 1"/>
           <p:cNvSpPr>
             <a:spLocks noGrp="1"/>
           </p:cNvSpPr>
@@ -2091,8 +2109,8 @@
         </p:nvSpPr>
         <p:spPr>
           <a:xfrm>
-            <a:off x="838080" y="365040"/>
-            <a:ext cx="10515240" cy="1325160"/>
+            <a:off x="609480" y="273600"/>
+            <a:ext cx="10972440" cy="1144800"/>
           </a:xfrm>
           <a:prstGeom prst="rect">
             <a:avLst/>
@@ -2101,13 +2119,14 @@
         <p:txBody>
           <a:bodyPr lIns="0" rIns="0" tIns="0" bIns="0" anchor="ctr"/>
           <a:p>
-            <a:endParaRPr/>
-          </a:p>
-        </p:txBody>
-      </p:sp>
-      <p:sp>
-        <p:nvSpPr>
-          <p:cNvPr id="20" name="PlaceHolder 2"/>
+            <a:pPr algn="ctr"/>
+            <a:endParaRPr/>
+          </a:p>
+        </p:txBody>
+      </p:sp>
+      <p:sp>
+        <p:nvSpPr>
+          <p:cNvPr id="16" name="PlaceHolder 2"/>
           <p:cNvSpPr>
             <a:spLocks noGrp="1"/>
           </p:cNvSpPr>
@@ -2117,8 +2136,8 @@
         </p:nvSpPr>
         <p:spPr>
           <a:xfrm>
-            <a:off x="838080" y="1825560"/>
-            <a:ext cx="5131080" cy="4350960"/>
+            <a:off x="609480" y="1604520"/>
+            <a:ext cx="5354280" cy="3977280"/>
           </a:xfrm>
           <a:prstGeom prst="rect">
             <a:avLst/>
@@ -2133,7 +2152,7 @@
       </p:sp>
       <p:sp>
         <p:nvSpPr>
-          <p:cNvPr id="21" name="PlaceHolder 3"/>
+          <p:cNvPr id="17" name="PlaceHolder 3"/>
           <p:cNvSpPr>
             <a:spLocks noGrp="1"/>
           </p:cNvSpPr>
@@ -2143,8 +2162,8 @@
         </p:nvSpPr>
         <p:spPr>
           <a:xfrm>
-            <a:off x="6226200" y="1825560"/>
-            <a:ext cx="5131080" cy="2075040"/>
+            <a:off x="6231960" y="1604520"/>
+            <a:ext cx="5354280" cy="1896840"/>
           </a:xfrm>
           <a:prstGeom prst="rect">
             <a:avLst/>
@@ -2159,7 +2178,7 @@
       </p:sp>
       <p:sp>
         <p:nvSpPr>
-          <p:cNvPr id="22" name="PlaceHolder 4"/>
+          <p:cNvPr id="18" name="PlaceHolder 4"/>
           <p:cNvSpPr>
             <a:spLocks noGrp="1"/>
           </p:cNvSpPr>
@@ -2169,8 +2188,8 @@
         </p:nvSpPr>
         <p:spPr>
           <a:xfrm>
-            <a:off x="6226200" y="4098240"/>
-            <a:ext cx="5131080" cy="2075040"/>
+            <a:off x="6231960" y="3682080"/>
+            <a:ext cx="5354280" cy="1896840"/>
           </a:xfrm>
           <a:prstGeom prst="rect">
             <a:avLst/>
@@ -2207,7 +2226,7 @@
       </p:grpSpPr>
       <p:sp>
         <p:nvSpPr>
-          <p:cNvPr id="23" name="PlaceHolder 1"/>
+          <p:cNvPr id="19" name="PlaceHolder 1"/>
           <p:cNvSpPr>
             <a:spLocks noGrp="1"/>
           </p:cNvSpPr>
@@ -2217,8 +2236,8 @@
         </p:nvSpPr>
         <p:spPr>
           <a:xfrm>
-            <a:off x="838080" y="365040"/>
-            <a:ext cx="10515240" cy="1325160"/>
+            <a:off x="609480" y="273600"/>
+            <a:ext cx="10972440" cy="1144800"/>
           </a:xfrm>
           <a:prstGeom prst="rect">
             <a:avLst/>
@@ -2227,13 +2246,14 @@
         <p:txBody>
           <a:bodyPr lIns="0" rIns="0" tIns="0" bIns="0" anchor="ctr"/>
           <a:p>
-            <a:endParaRPr/>
-          </a:p>
-        </p:txBody>
-      </p:sp>
-      <p:sp>
-        <p:nvSpPr>
-          <p:cNvPr id="24" name="PlaceHolder 2"/>
+            <a:pPr algn="ctr"/>
+            <a:endParaRPr/>
+          </a:p>
+        </p:txBody>
+      </p:sp>
+      <p:sp>
+        <p:nvSpPr>
+          <p:cNvPr id="20" name="PlaceHolder 2"/>
           <p:cNvSpPr>
             <a:spLocks noGrp="1"/>
           </p:cNvSpPr>
@@ -2243,8 +2263,8 @@
         </p:nvSpPr>
         <p:spPr>
           <a:xfrm>
-            <a:off x="838080" y="1825560"/>
-            <a:ext cx="5131080" cy="2075040"/>
+            <a:off x="609480" y="1604520"/>
+            <a:ext cx="5354280" cy="1896840"/>
           </a:xfrm>
           <a:prstGeom prst="rect">
             <a:avLst/>
@@ -2259,7 +2279,7 @@
       </p:sp>
       <p:sp>
         <p:nvSpPr>
-          <p:cNvPr id="25" name="PlaceHolder 3"/>
+          <p:cNvPr id="21" name="PlaceHolder 3"/>
           <p:cNvSpPr>
             <a:spLocks noGrp="1"/>
           </p:cNvSpPr>
@@ -2269,8 +2289,8 @@
         </p:nvSpPr>
         <p:spPr>
           <a:xfrm>
-            <a:off x="6226200" y="1825560"/>
-            <a:ext cx="5131080" cy="2075040"/>
+            <a:off x="6231960" y="1604520"/>
+            <a:ext cx="5354280" cy="1896840"/>
           </a:xfrm>
           <a:prstGeom prst="rect">
             <a:avLst/>
@@ -2285,7 +2305,7 @@
       </p:sp>
       <p:sp>
         <p:nvSpPr>
-          <p:cNvPr id="26" name="PlaceHolder 4"/>
+          <p:cNvPr id="22" name="PlaceHolder 4"/>
           <p:cNvSpPr>
             <a:spLocks noGrp="1"/>
           </p:cNvSpPr>
@@ -2295,8 +2315,8 @@
         </p:nvSpPr>
         <p:spPr>
           <a:xfrm>
-            <a:off x="838080" y="4098240"/>
-            <a:ext cx="10515240" cy="2075040"/>
+            <a:off x="609480" y="3682080"/>
+            <a:ext cx="10972440" cy="1896840"/>
           </a:xfrm>
           <a:prstGeom prst="rect">
             <a:avLst/>
@@ -2353,29 +2373,22 @@
         </p:nvSpPr>
         <p:spPr>
           <a:xfrm>
-            <a:off x="1523880" y="1122480"/>
-            <a:ext cx="9143640" cy="2387160"/>
-          </a:xfrm>
-          <a:prstGeom prst="rect">
-            <a:avLst/>
-          </a:prstGeom>
-        </p:spPr>
-        <p:txBody>
-          <a:bodyPr anchor="b"/>
-          <a:p>
-            <a:pPr algn="ctr">
-              <a:lnSpc>
-                <a:spcPct val="100000"/>
-              </a:lnSpc>
-            </a:pPr>
-            <a:r>
-              <a:rPr lang="en-US" sz="6000" strike="noStrike">
-                <a:solidFill>
-                  <a:srgbClr val="000000"/>
-                </a:solidFill>
-                <a:latin typeface="Calibri Light"/>
-              </a:rPr>
-              <a:t>Click to edit Master title style</a:t>
+            <a:off x="609480" y="273600"/>
+            <a:ext cx="10972440" cy="1144800"/>
+          </a:xfrm>
+          <a:prstGeom prst="rect">
+            <a:avLst/>
+          </a:prstGeom>
+        </p:spPr>
+        <p:txBody>
+          <a:bodyPr lIns="0" rIns="0" tIns="0" bIns="0" anchor="ctr"/>
+          <a:p>
+            <a:pPr algn="ctr"/>
+            <a:r>
+              <a:rPr lang="en-US" sz="4400">
+                <a:latin typeface="Arial"/>
+              </a:rPr>
+              <a:t>Click to edit the title text format</a:t>
             </a:r>
             <a:endParaRPr/>
           </a:p>
@@ -2384,152 +2397,6 @@
       <p:sp>
         <p:nvSpPr>
           <p:cNvPr id="1" name="PlaceHolder 2"/>
-          <p:cNvSpPr>
-            <a:spLocks noGrp="1"/>
-          </p:cNvSpPr>
-          <p:nvPr>
-            <p:ph type="subTitle"/>
-          </p:nvPr>
-        </p:nvSpPr>
-        <p:spPr>
-          <a:xfrm>
-            <a:off x="1523880" y="3602160"/>
-            <a:ext cx="9143640" cy="1655280"/>
-          </a:xfrm>
-          <a:prstGeom prst="rect">
-            <a:avLst/>
-          </a:prstGeom>
-        </p:spPr>
-        <p:txBody>
-          <a:bodyPr/>
-          <a:p>
-            <a:pPr algn="ctr">
-              <a:lnSpc>
-                <a:spcPct val="100000"/>
-              </a:lnSpc>
-            </a:pPr>
-            <a:r>
-              <a:rPr lang="en-US" sz="2400" strike="noStrike">
-                <a:solidFill>
-                  <a:srgbClr val="000000"/>
-                </a:solidFill>
-                <a:latin typeface="Calibri"/>
-              </a:rPr>
-              <a:t>Click to edit Master subtitle style</a:t>
-            </a:r>
-            <a:endParaRPr/>
-          </a:p>
-        </p:txBody>
-      </p:sp>
-      <p:sp>
-        <p:nvSpPr>
-          <p:cNvPr id="2" name="PlaceHolder 3"/>
-          <p:cNvSpPr>
-            <a:spLocks noGrp="1"/>
-          </p:cNvSpPr>
-          <p:nvPr>
-            <p:ph type="dt"/>
-          </p:nvPr>
-        </p:nvSpPr>
-        <p:spPr>
-          <a:xfrm>
-            <a:off x="838080" y="6356520"/>
-            <a:ext cx="2742840" cy="364680"/>
-          </a:xfrm>
-          <a:prstGeom prst="rect">
-            <a:avLst/>
-          </a:prstGeom>
-        </p:spPr>
-        <p:txBody>
-          <a:bodyPr anchor="ctr"/>
-          <a:p>
-            <a:pPr>
-              <a:lnSpc>
-                <a:spcPct val="100000"/>
-              </a:lnSpc>
-            </a:pPr>
-            <a:r>
-              <a:rPr lang="en-US" sz="1200" strike="noStrike">
-                <a:solidFill>
-                  <a:srgbClr val="8b8b8b"/>
-                </a:solidFill>
-                <a:latin typeface="Calibri"/>
-              </a:rPr>
-              <a:t>7/27/15</a:t>
-            </a:r>
-            <a:endParaRPr/>
-          </a:p>
-        </p:txBody>
-      </p:sp>
-      <p:sp>
-        <p:nvSpPr>
-          <p:cNvPr id="3" name="PlaceHolder 4"/>
-          <p:cNvSpPr>
-            <a:spLocks noGrp="1"/>
-          </p:cNvSpPr>
-          <p:nvPr>
-            <p:ph type="ftr"/>
-          </p:nvPr>
-        </p:nvSpPr>
-        <p:spPr>
-          <a:xfrm>
-            <a:off x="4038480" y="6356520"/>
-            <a:ext cx="4114440" cy="364680"/>
-          </a:xfrm>
-          <a:prstGeom prst="rect">
-            <a:avLst/>
-          </a:prstGeom>
-        </p:spPr>
-        <p:txBody>
-          <a:bodyPr anchor="ctr"/>
-          <a:p>
-            <a:endParaRPr/>
-          </a:p>
-        </p:txBody>
-      </p:sp>
-      <p:sp>
-        <p:nvSpPr>
-          <p:cNvPr id="4" name="PlaceHolder 5"/>
-          <p:cNvSpPr>
-            <a:spLocks noGrp="1"/>
-          </p:cNvSpPr>
-          <p:nvPr>
-            <p:ph type="sldNum"/>
-          </p:nvPr>
-        </p:nvSpPr>
-        <p:spPr>
-          <a:xfrm>
-            <a:off x="8610480" y="6356520"/>
-            <a:ext cx="2742840" cy="364680"/>
-          </a:xfrm>
-          <a:prstGeom prst="rect">
-            <a:avLst/>
-          </a:prstGeom>
-        </p:spPr>
-        <p:txBody>
-          <a:bodyPr anchor="ctr"/>
-          <a:p>
-            <a:pPr algn="r">
-              <a:lnSpc>
-                <a:spcPct val="100000"/>
-              </a:lnSpc>
-            </a:pPr>
-            <a:fld id="{55FDA3AF-24DF-40DD-913E-F5CB0469024D}" type="slidenum">
-              <a:rPr lang="en-US" sz="1200" strike="noStrike">
-                <a:solidFill>
-                  <a:srgbClr val="8b8b8b"/>
-                </a:solidFill>
-                <a:latin typeface="Calibri"/>
-              </a:rPr>
-              <a:t>&lt;number&gt;</a:t>
-            </a:fld>
-            <a:endParaRPr/>
-          </a:p>
-        </p:txBody>
-      </p:sp>
-      <p:sp>
-        <p:nvSpPr>
-          <p:cNvPr id="5" name="PlaceHolder 6"/>
           <p:cNvSpPr>
             <a:spLocks noGrp="1"/>
           </p:cNvSpPr>
@@ -2555,8 +2422,8 @@
               <a:buChar char=""/>
             </a:pPr>
             <a:r>
-              <a:rPr lang="en-US" sz="2800">
-                <a:latin typeface="Calibri"/>
+              <a:rPr lang="en-US" sz="3200">
+                <a:latin typeface="Arial"/>
               </a:rPr>
               <a:t>Click to edit the outline text format</a:t>
             </a:r>
@@ -2569,8 +2436,8 @@
               <a:buChar char=""/>
             </a:pPr>
             <a:r>
-              <a:rPr lang="en-US" sz="2000">
-                <a:latin typeface="Calibri"/>
+              <a:rPr lang="en-US" sz="2800">
+                <a:latin typeface="Arial"/>
               </a:rPr>
               <a:t>Second Outline Level</a:t>
             </a:r>
@@ -2583,8 +2450,8 @@
               <a:buChar char=""/>
             </a:pPr>
             <a:r>
-              <a:rPr lang="en-US">
-                <a:latin typeface="Calibri"/>
+              <a:rPr lang="en-US" sz="2400">
+                <a:latin typeface="Arial"/>
               </a:rPr>
               <a:t>Third Outline Level</a:t>
             </a:r>
@@ -2597,8 +2464,8 @@
               <a:buChar char=""/>
             </a:pPr>
             <a:r>
-              <a:rPr lang="en-US">
-                <a:latin typeface="Calibri"/>
+              <a:rPr lang="en-US" sz="2000">
+                <a:latin typeface="Arial"/>
               </a:rPr>
               <a:t>Fourth Outline Level</a:t>
             </a:r>
@@ -2612,7 +2479,7 @@
             </a:pPr>
             <a:r>
               <a:rPr lang="en-US" sz="2000">
-                <a:latin typeface="Calibri"/>
+                <a:latin typeface="Arial"/>
               </a:rPr>
               <a:t>Fifth Outline Level</a:t>
             </a:r>
@@ -2626,7 +2493,7 @@
             </a:pPr>
             <a:r>
               <a:rPr lang="en-US" sz="2000">
-                <a:latin typeface="Calibri"/>
+                <a:latin typeface="Arial"/>
               </a:rPr>
               <a:t>Sixth Outline Level</a:t>
             </a:r>
@@ -2640,7 +2507,7 @@
             </a:pPr>
             <a:r>
               <a:rPr lang="en-US" sz="2000">
-                <a:latin typeface="Calibri"/>
+                <a:latin typeface="Arial"/>
               </a:rPr>
               <a:t>Seventh Outline Level</a:t>
             </a:r>
@@ -2697,7 +2564,7 @@
       </p:grpSpPr>
       <p:sp>
         <p:nvSpPr>
-          <p:cNvPr id="40" name="PlaceHolder 1"/>
+          <p:cNvPr id="36" name="PlaceHolder 1"/>
           <p:cNvSpPr>
             <a:spLocks noGrp="1"/>
           </p:cNvSpPr>
@@ -2707,37 +2574,30 @@
         </p:nvSpPr>
         <p:spPr>
           <a:xfrm>
-            <a:off x="838080" y="365040"/>
-            <a:ext cx="10515240" cy="1325160"/>
-          </a:xfrm>
-          <a:prstGeom prst="rect">
-            <a:avLst/>
-          </a:prstGeom>
-        </p:spPr>
-        <p:txBody>
-          <a:bodyPr anchor="ctr"/>
-          <a:p>
-            <a:pPr>
-              <a:lnSpc>
-                <a:spcPct val="100000"/>
-              </a:lnSpc>
-            </a:pPr>
-            <a:r>
-              <a:rPr lang="en-US" sz="4400" strike="noStrike">
-                <a:solidFill>
-                  <a:srgbClr val="ffffff"/>
-                </a:solidFill>
-                <a:latin typeface="Impact"/>
-              </a:rPr>
-              <a:t>Click to edit Master title style</a:t>
-            </a:r>
-            <a:endParaRPr/>
-          </a:p>
-        </p:txBody>
-      </p:sp>
-      <p:sp>
-        <p:nvSpPr>
-          <p:cNvPr id="41" name="PlaceHolder 2"/>
+            <a:off x="609480" y="273600"/>
+            <a:ext cx="10972440" cy="1144800"/>
+          </a:xfrm>
+          <a:prstGeom prst="rect">
+            <a:avLst/>
+          </a:prstGeom>
+        </p:spPr>
+        <p:txBody>
+          <a:bodyPr lIns="0" rIns="0" tIns="0" bIns="0" anchor="ctr"/>
+          <a:p>
+            <a:pPr algn="ctr"/>
+            <a:r>
+              <a:rPr lang="en-US" sz="4400">
+                <a:latin typeface="Arial"/>
+              </a:rPr>
+              <a:t>Click to edit the title text format</a:t>
+            </a:r>
+            <a:endParaRPr/>
+          </a:p>
+        </p:txBody>
+      </p:sp>
+      <p:sp>
+        <p:nvSpPr>
+          <p:cNvPr id="37" name="PlaceHolder 2"/>
           <p:cNvSpPr>
             <a:spLocks noGrp="1"/>
           </p:cNvSpPr>
@@ -2747,15 +2607,15 @@
         </p:nvSpPr>
         <p:spPr>
           <a:xfrm>
-            <a:off x="838080" y="1825560"/>
-            <a:ext cx="10515240" cy="4350960"/>
-          </a:xfrm>
-          <a:prstGeom prst="rect">
-            <a:avLst/>
-          </a:prstGeom>
-        </p:spPr>
-        <p:txBody>
-          <a:bodyPr/>
+            <a:off x="609480" y="1604520"/>
+            <a:ext cx="10972440" cy="3977280"/>
+          </a:xfrm>
+          <a:prstGeom prst="rect">
+            <a:avLst/>
+          </a:prstGeom>
+        </p:spPr>
+        <p:txBody>
+          <a:bodyPr lIns="0" rIns="0" tIns="0" bIns="0"/>
           <a:p>
             <a:pPr>
               <a:buSzPct val="45000"/>
@@ -2763,11 +2623,8 @@
               <a:buChar char=""/>
             </a:pPr>
             <a:r>
-              <a:rPr lang="en-US" sz="2800" strike="noStrike">
-                <a:solidFill>
-                  <a:srgbClr val="ffffff"/>
-                </a:solidFill>
-                <a:latin typeface="Impact"/>
+              <a:rPr lang="en-US" sz="3200">
+                <a:latin typeface="Arial"/>
               </a:rPr>
               <a:t>Click to edit the outline text format</a:t>
             </a:r>
@@ -2780,11 +2637,8 @@
               <a:buChar char=""/>
             </a:pPr>
             <a:r>
-              <a:rPr lang="en-US" sz="2800" strike="noStrike">
-                <a:solidFill>
-                  <a:srgbClr val="ffffff"/>
-                </a:solidFill>
-                <a:latin typeface="Impact"/>
+              <a:rPr lang="en-US" sz="2800">
+                <a:latin typeface="Arial"/>
               </a:rPr>
               <a:t>Second Outline Level</a:t>
             </a:r>
@@ -2797,11 +2651,8 @@
               <a:buChar char=""/>
             </a:pPr>
             <a:r>
-              <a:rPr lang="en-US" sz="2800" strike="noStrike">
-                <a:solidFill>
-                  <a:srgbClr val="ffffff"/>
-                </a:solidFill>
-                <a:latin typeface="Impact"/>
+              <a:rPr lang="en-US" sz="2400">
+                <a:latin typeface="Arial"/>
               </a:rPr>
               <a:t>Third Outline Level</a:t>
             </a:r>
@@ -2814,11 +2665,8 @@
               <a:buChar char=""/>
             </a:pPr>
             <a:r>
-              <a:rPr lang="en-US" sz="2800" strike="noStrike">
-                <a:solidFill>
-                  <a:srgbClr val="ffffff"/>
-                </a:solidFill>
-                <a:latin typeface="Impact"/>
+              <a:rPr lang="en-US" sz="2000">
+                <a:latin typeface="Arial"/>
               </a:rPr>
               <a:t>Fourth Outline Level</a:t>
             </a:r>
@@ -2831,11 +2679,8 @@
               <a:buChar char=""/>
             </a:pPr>
             <a:r>
-              <a:rPr lang="en-US" sz="2800" strike="noStrike">
-                <a:solidFill>
-                  <a:srgbClr val="ffffff"/>
-                </a:solidFill>
-                <a:latin typeface="Impact"/>
+              <a:rPr lang="en-US" sz="2000">
+                <a:latin typeface="Arial"/>
               </a:rPr>
               <a:t>Fifth Outline Level</a:t>
             </a:r>
@@ -2848,215 +2693,25 @@
               <a:buChar char=""/>
             </a:pPr>
             <a:r>
-              <a:rPr lang="en-US" sz="2800" strike="noStrike">
-                <a:solidFill>
-                  <a:srgbClr val="ffffff"/>
-                </a:solidFill>
-                <a:latin typeface="Impact"/>
+              <a:rPr lang="en-US" sz="2000">
+                <a:latin typeface="Arial"/>
               </a:rPr>
               <a:t>Sixth Outline Level</a:t>
             </a:r>
             <a:endParaRPr/>
           </a:p>
           <a:p>
-            <a:pPr>
-              <a:lnSpc>
-                <a:spcPct val="100000"/>
-              </a:lnSpc>
-              <a:buFont typeface="Arial"/>
-              <a:buChar char="•"/>
+            <a:pPr lvl="6">
+              <a:buSzPct val="45000"/>
+              <a:buFont typeface="StarSymbol"/>
+              <a:buChar char=""/>
             </a:pPr>
             <a:r>
-              <a:rPr lang="en-US" sz="2800" strike="noStrike">
-                <a:solidFill>
-                  <a:srgbClr val="ffffff"/>
-                </a:solidFill>
-                <a:latin typeface="Impact"/>
-              </a:rPr>
-              <a:t>Seventh Outline LevelClick to edit Master text styles</a:t>
-            </a:r>
-            <a:endParaRPr/>
-          </a:p>
-          <a:p>
-            <a:pPr lvl="1">
-              <a:lnSpc>
-                <a:spcPct val="100000"/>
-              </a:lnSpc>
-              <a:buFont typeface="Arial"/>
-              <a:buChar char="•"/>
-            </a:pPr>
-            <a:r>
-              <a:rPr lang="en-US" sz="2400" strike="noStrike">
-                <a:solidFill>
-                  <a:srgbClr val="ffffff"/>
-                </a:solidFill>
-                <a:latin typeface="Impact"/>
-              </a:rPr>
-              <a:t>Second level</a:t>
-            </a:r>
-            <a:endParaRPr/>
-          </a:p>
-          <a:p>
-            <a:pPr lvl="2">
-              <a:lnSpc>
-                <a:spcPct val="100000"/>
-              </a:lnSpc>
-              <a:buFont typeface="Arial"/>
-              <a:buChar char="•"/>
-            </a:pPr>
-            <a:r>
-              <a:rPr lang="en-US" sz="2000" strike="noStrike">
-                <a:solidFill>
-                  <a:srgbClr val="ffffff"/>
-                </a:solidFill>
-                <a:latin typeface="Impact"/>
-              </a:rPr>
-              <a:t>Third level</a:t>
-            </a:r>
-            <a:endParaRPr/>
-          </a:p>
-          <a:p>
-            <a:pPr lvl="3">
-              <a:lnSpc>
-                <a:spcPct val="100000"/>
-              </a:lnSpc>
-              <a:buFont typeface="Arial"/>
-              <a:buChar char="•"/>
-            </a:pPr>
-            <a:r>
-              <a:rPr lang="en-US" strike="noStrike">
-                <a:solidFill>
-                  <a:srgbClr val="ffffff"/>
-                </a:solidFill>
-                <a:latin typeface="Impact"/>
-              </a:rPr>
-              <a:t>Fourth level</a:t>
-            </a:r>
-            <a:endParaRPr/>
-          </a:p>
-          <a:p>
-            <a:pPr lvl="4">
-              <a:lnSpc>
-                <a:spcPct val="100000"/>
-              </a:lnSpc>
-              <a:buFont typeface="Arial"/>
-              <a:buChar char="•"/>
-            </a:pPr>
-            <a:r>
-              <a:rPr lang="en-US" strike="noStrike">
-                <a:solidFill>
-                  <a:srgbClr val="ffffff"/>
-                </a:solidFill>
-                <a:latin typeface="Impact"/>
-              </a:rPr>
-              <a:t>Fifth level</a:t>
-            </a:r>
-            <a:endParaRPr/>
-          </a:p>
-        </p:txBody>
-      </p:sp>
-      <p:sp>
-        <p:nvSpPr>
-          <p:cNvPr id="42" name="PlaceHolder 3"/>
-          <p:cNvSpPr>
-            <a:spLocks noGrp="1"/>
-          </p:cNvSpPr>
-          <p:nvPr>
-            <p:ph type="dt"/>
-          </p:nvPr>
-        </p:nvSpPr>
-        <p:spPr>
-          <a:xfrm>
-            <a:off x="838080" y="6356520"/>
-            <a:ext cx="2742840" cy="364680"/>
-          </a:xfrm>
-          <a:prstGeom prst="rect">
-            <a:avLst/>
-          </a:prstGeom>
-        </p:spPr>
-        <p:txBody>
-          <a:bodyPr anchor="ctr"/>
-          <a:p>
-            <a:pPr>
-              <a:lnSpc>
-                <a:spcPct val="100000"/>
-              </a:lnSpc>
-            </a:pPr>
-            <a:r>
-              <a:rPr lang="en-US" sz="1200" strike="noStrike">
-                <a:solidFill>
-                  <a:srgbClr val="8b8b8b"/>
-                </a:solidFill>
-                <a:latin typeface="Calibri"/>
-              </a:rPr>
-              <a:t>7/27/15</a:t>
-            </a:r>
-            <a:endParaRPr/>
-          </a:p>
-        </p:txBody>
-      </p:sp>
-      <p:sp>
-        <p:nvSpPr>
-          <p:cNvPr id="43" name="PlaceHolder 4"/>
-          <p:cNvSpPr>
-            <a:spLocks noGrp="1"/>
-          </p:cNvSpPr>
-          <p:nvPr>
-            <p:ph type="ftr"/>
-          </p:nvPr>
-        </p:nvSpPr>
-        <p:spPr>
-          <a:xfrm>
-            <a:off x="4038480" y="6356520"/>
-            <a:ext cx="4114440" cy="364680"/>
-          </a:xfrm>
-          <a:prstGeom prst="rect">
-            <a:avLst/>
-          </a:prstGeom>
-        </p:spPr>
-        <p:txBody>
-          <a:bodyPr anchor="ctr"/>
-          <a:p>
-            <a:endParaRPr/>
-          </a:p>
-        </p:txBody>
-      </p:sp>
-      <p:sp>
-        <p:nvSpPr>
-          <p:cNvPr id="44" name="PlaceHolder 5"/>
-          <p:cNvSpPr>
-            <a:spLocks noGrp="1"/>
-          </p:cNvSpPr>
-          <p:nvPr>
-            <p:ph type="sldNum"/>
-          </p:nvPr>
-        </p:nvSpPr>
-        <p:spPr>
-          <a:xfrm>
-            <a:off x="8610480" y="6356520"/>
-            <a:ext cx="2742840" cy="364680"/>
-          </a:xfrm>
-          <a:prstGeom prst="rect">
-            <a:avLst/>
-          </a:prstGeom>
-        </p:spPr>
-        <p:txBody>
-          <a:bodyPr anchor="ctr"/>
-          <a:p>
-            <a:pPr algn="r">
-              <a:lnSpc>
-                <a:spcPct val="100000"/>
-              </a:lnSpc>
-            </a:pPr>
-            <a:fld id="{A680F6CE-7179-40ED-8611-D2E351A8D117}" type="slidenum">
-              <a:rPr lang="en-US" sz="1200" strike="noStrike">
-                <a:solidFill>
-                  <a:srgbClr val="8b8b8b"/>
-                </a:solidFill>
-                <a:latin typeface="Calibri"/>
-              </a:rPr>
-              <a:t>&lt;number&gt;</a:t>
-            </a:fld>
+              <a:rPr lang="en-US" sz="2000">
+                <a:latin typeface="Arial"/>
+              </a:rPr>
+              <a:t>Seventh Outline Level</a:t>
+            </a:r>
             <a:endParaRPr/>
           </a:p>
         </p:txBody>
@@ -3100,14 +2755,14 @@
       </p:grpSpPr>
       <p:sp>
         <p:nvSpPr>
-          <p:cNvPr id="79" name="TextShape 1"/>
-          <p:cNvSpPr txBox="1"/>
+          <p:cNvPr id="72" name="CustomShape 1"/>
+          <p:cNvSpPr/>
           <p:nvPr/>
         </p:nvSpPr>
         <p:spPr>
           <a:xfrm>
-            <a:off x="731880" y="1168560"/>
-            <a:ext cx="9143640" cy="2387160"/>
+            <a:off x="731520" y="1168560"/>
+            <a:ext cx="9142560" cy="2386080"/>
           </a:xfrm>
           <a:prstGeom prst="rect">
             <a:avLst/>
@@ -3117,8 +2772,14 @@
             <a:noFill/>
           </a:ln>
         </p:spPr>
-        <p:txBody>
-          <a:bodyPr anchor="b"/>
+        <p:style>
+          <a:lnRef idx="0"/>
+          <a:fillRef idx="0"/>
+          <a:effectRef idx="0"/>
+          <a:fontRef idx="minor"/>
+        </p:style>
+        <p:txBody>
+          <a:bodyPr lIns="90000" rIns="90000" tIns="45000" bIns="45000" anchor="b"/>
           <a:p>
             <a:pPr algn="ctr">
               <a:lnSpc>
@@ -3131,6 +2792,7 @@
                   <a:srgbClr val="ffffff"/>
                 </a:solidFill>
                 <a:latin typeface="Meiryo"/>
+                <a:ea typeface="DejaVu Sans"/>
               </a:rPr>
               <a:t>CSCI 4370 Project 5</a:t>
             </a:r>
@@ -3140,14 +2802,14 @@
       </p:sp>
       <p:sp>
         <p:nvSpPr>
-          <p:cNvPr id="80" name="TextShape 2"/>
-          <p:cNvSpPr txBox="1"/>
+          <p:cNvPr id="73" name="CustomShape 2"/>
+          <p:cNvSpPr/>
           <p:nvPr/>
         </p:nvSpPr>
         <p:spPr>
           <a:xfrm>
-            <a:off x="731880" y="3648240"/>
-            <a:ext cx="9143640" cy="1655280"/>
+            <a:off x="731520" y="3648240"/>
+            <a:ext cx="9142560" cy="1654200"/>
           </a:xfrm>
           <a:prstGeom prst="rect">
             <a:avLst/>
@@ -3157,8 +2819,14 @@
             <a:noFill/>
           </a:ln>
         </p:spPr>
-        <p:txBody>
-          <a:bodyPr/>
+        <p:style>
+          <a:lnRef idx="0"/>
+          <a:fillRef idx="0"/>
+          <a:effectRef idx="0"/>
+          <a:fontRef idx="minor"/>
+        </p:style>
+        <p:txBody>
+          <a:bodyPr lIns="90000" rIns="90000" tIns="45000" bIns="45000"/>
           <a:p>
             <a:pPr algn="ctr">
               <a:lnSpc>
@@ -3171,6 +2839,7 @@
                   <a:srgbClr val="ffffff"/>
                 </a:solidFill>
                 <a:latin typeface="Meiryo"/>
+                <a:ea typeface="DejaVu Sans"/>
               </a:rPr>
               <a:t>By: Jey, Justin, Narita, Phillip, and Ryan</a:t>
             </a:r>
@@ -3229,14 +2898,14 @@
       </p:grpSpPr>
       <p:sp>
         <p:nvSpPr>
-          <p:cNvPr id="106" name="TextShape 1"/>
-          <p:cNvSpPr txBox="1"/>
+          <p:cNvPr id="92" name="CustomShape 1"/>
+          <p:cNvSpPr/>
           <p:nvPr/>
         </p:nvSpPr>
         <p:spPr>
           <a:xfrm>
-            <a:off x="838080" y="365040"/>
-            <a:ext cx="10515240" cy="1325160"/>
+            <a:off x="837720" y="365040"/>
+            <a:ext cx="10514160" cy="1324080"/>
           </a:xfrm>
           <a:prstGeom prst="rect">
             <a:avLst/>
@@ -3246,8 +2915,14 @@
             <a:noFill/>
           </a:ln>
         </p:spPr>
-        <p:txBody>
-          <a:bodyPr anchor="ctr"/>
+        <p:style>
+          <a:lnRef idx="0"/>
+          <a:fillRef idx="0"/>
+          <a:effectRef idx="0"/>
+          <a:fontRef idx="minor"/>
+        </p:style>
+        <p:txBody>
+          <a:bodyPr lIns="90000" rIns="90000" tIns="45000" bIns="45000" anchor="ctr"/>
           <a:p>
             <a:pPr>
               <a:lnSpc>
@@ -3255,121 +2930,42 @@
               </a:lnSpc>
             </a:pPr>
             <a:r>
-              <a:rPr lang="en-US" sz="4000" strike="noStrike">
-                <a:solidFill>
-                  <a:srgbClr val="ffffff"/>
-                </a:solidFill>
-                <a:latin typeface="Meiryo"/>
-              </a:rPr>
-              <a:t>Comparison of </a:t>
-            </a:r>
-            <a:r>
-              <a:rPr lang="en-US" sz="4000" strike="noStrike">
-                <a:solidFill>
-                  <a:srgbClr val="ffffff"/>
-                </a:solidFill>
-                <a:latin typeface="Meiryo"/>
-                <a:ea typeface="Meiryo"/>
-              </a:rPr>
-              <a:t>ρ</a:t>
-            </a:r>
-            <a:r>
-              <a:rPr lang="en-US" sz="4000" strike="noStrike" baseline="-33000">
-                <a:solidFill>
-                  <a:srgbClr val="ffffff"/>
-                </a:solidFill>
-                <a:latin typeface="Meiryo"/>
-              </a:rPr>
-              <a:t>1</a:t>
-            </a:r>
-            <a:r>
-              <a:rPr lang="en-US" sz="4000" strike="noStrike">
-                <a:solidFill>
-                  <a:srgbClr val="ffffff"/>
-                </a:solidFill>
-                <a:latin typeface="Meiryo"/>
-              </a:rPr>
-              <a:t>, </a:t>
-            </a:r>
-            <a:r>
-              <a:rPr lang="en-US" sz="4000" strike="noStrike">
-                <a:solidFill>
-                  <a:srgbClr val="ffffff"/>
-                </a:solidFill>
-                <a:latin typeface="Meiryo"/>
-                <a:ea typeface="Meiryo"/>
-              </a:rPr>
-              <a:t>ρ</a:t>
-            </a:r>
-            <a:r>
-              <a:rPr lang="en-US" sz="4000" strike="noStrike" baseline="-33000">
-                <a:solidFill>
-                  <a:srgbClr val="ffffff"/>
-                </a:solidFill>
-                <a:latin typeface="Meiryo"/>
-                <a:ea typeface="Meiryo"/>
-              </a:rPr>
-              <a:t>2</a:t>
-            </a:r>
-            <a:r>
-              <a:rPr lang="en-US" sz="4000" strike="noStrike">
-                <a:solidFill>
-                  <a:srgbClr val="ffffff"/>
-                </a:solidFill>
-                <a:latin typeface="Meiryo"/>
-              </a:rPr>
-              <a:t>, and </a:t>
-            </a:r>
-            <a:r>
-              <a:rPr lang="en-US" sz="4000" strike="noStrike">
-                <a:solidFill>
-                  <a:srgbClr val="ffffff"/>
-                </a:solidFill>
-                <a:latin typeface="Meiryo"/>
-                <a:ea typeface="Meiryo"/>
-              </a:rPr>
-              <a:t>ρ</a:t>
-            </a:r>
-            <a:r>
-              <a:rPr lang="en-US" sz="4000" strike="noStrike" baseline="-33000">
-                <a:solidFill>
-                  <a:srgbClr val="ffffff"/>
-                </a:solidFill>
-                <a:latin typeface="Meiryo"/>
-                <a:ea typeface="Meiryo"/>
-              </a:rPr>
-              <a:t>3</a:t>
-            </a:r>
-            <a:endParaRPr/>
-          </a:p>
-        </p:txBody>
-      </p:sp>
-      <p:sp>
-        <p:nvSpPr>
-          <p:cNvPr id="107" name="TextShape 2"/>
-          <p:cNvSpPr txBox="1"/>
+              <a:rPr lang="en-US" sz="4400" strike="noStrike">
+                <a:solidFill>
+                  <a:srgbClr val="ffffff"/>
+                </a:solidFill>
+                <a:latin typeface="Meiryo"/>
+                <a:ea typeface="DejaVu Sans"/>
+              </a:rPr>
+              <a:t>Schema</a:t>
+            </a:r>
+            <a:endParaRPr/>
+          </a:p>
+        </p:txBody>
+      </p:sp>
+      <p:pic>
+        <p:nvPicPr>
+          <p:cNvPr id="93" name="" descr=""/>
+          <p:cNvPicPr/>
           <p:nvPr/>
-        </p:nvSpPr>
-        <p:spPr>
-          <a:xfrm>
-            <a:off x="838080" y="1825560"/>
-            <a:ext cx="10515240" cy="4350960"/>
-          </a:xfrm>
-          <a:prstGeom prst="rect">
-            <a:avLst/>
-          </a:prstGeom>
-          <a:noFill/>
+        </p:nvPicPr>
+        <p:blipFill>
+          <a:blip r:embed="rId1"/>
+          <a:stretch/>
+        </p:blipFill>
+        <p:spPr>
+          <a:xfrm>
+            <a:off x="1734840" y="1528200"/>
+            <a:ext cx="7043040" cy="4995720"/>
+          </a:xfrm>
+          <a:prstGeom prst="rect">
+            <a:avLst/>
+          </a:prstGeom>
           <a:ln>
             <a:noFill/>
           </a:ln>
         </p:spPr>
-        <p:txBody>
-          <a:bodyPr/>
-          <a:p>
-            <a:endParaRPr/>
-          </a:p>
-        </p:txBody>
-      </p:sp>
+      </p:pic>
     </p:spTree>
   </p:cSld>
   <p:timing>
@@ -3421,14 +3017,14 @@
       </p:grpSpPr>
       <p:sp>
         <p:nvSpPr>
-          <p:cNvPr id="108" name="TextShape 1"/>
-          <p:cNvSpPr txBox="1"/>
+          <p:cNvPr id="94" name="CustomShape 1"/>
+          <p:cNvSpPr/>
           <p:nvPr/>
         </p:nvSpPr>
         <p:spPr>
           <a:xfrm>
-            <a:off x="838080" y="365040"/>
-            <a:ext cx="10515240" cy="1325160"/>
+            <a:off x="837720" y="365040"/>
+            <a:ext cx="10514160" cy="1324080"/>
           </a:xfrm>
           <a:prstGeom prst="rect">
             <a:avLst/>
@@ -3438,8 +3034,14 @@
             <a:noFill/>
           </a:ln>
         </p:spPr>
-        <p:txBody>
-          <a:bodyPr anchor="ctr"/>
+        <p:style>
+          <a:lnRef idx="0"/>
+          <a:fillRef idx="0"/>
+          <a:effectRef idx="0"/>
+          <a:fontRef idx="minor"/>
+        </p:style>
+        <p:txBody>
+          <a:bodyPr lIns="90000" rIns="90000" tIns="45000" bIns="45000" anchor="ctr"/>
           <a:p>
             <a:pPr>
               <a:lnSpc>
@@ -3452,13 +3054,39 @@
                   <a:srgbClr val="ffffff"/>
                 </a:solidFill>
                 <a:latin typeface="Meiryo"/>
-              </a:rPr>
-              <a:t>Schema/Inserts</a:t>
-            </a:r>
-            <a:endParaRPr/>
-          </a:p>
-        </p:txBody>
-      </p:sp>
+                <a:ea typeface="DejaVu Sans"/>
+              </a:rPr>
+              <a:t>Inserts</a:t>
+            </a:r>
+            <a:endParaRPr/>
+          </a:p>
+        </p:txBody>
+      </p:sp>
+      <p:pic>
+        <p:nvPicPr>
+          <p:cNvPr id="95" name="" descr=""/>
+          <p:cNvPicPr/>
+          <p:nvPr/>
+        </p:nvPicPr>
+        <p:blipFill>
+          <a:blip r:embed="rId1"/>
+          <a:stretch/>
+        </p:blipFill>
+        <p:spPr>
+          <a:xfrm>
+            <a:off x="602640" y="159120"/>
+            <a:ext cx="11095560" cy="6590160"/>
+          </a:xfrm>
+          <a:prstGeom prst="rect">
+            <a:avLst/>
+          </a:prstGeom>
+          <a:ln>
+            <a:solidFill>
+              <a:srgbClr val="ffffff"/>
+            </a:solidFill>
+          </a:ln>
+        </p:spPr>
+      </p:pic>
     </p:spTree>
   </p:cSld>
   <p:timing>
@@ -3510,14 +3138,14 @@
       </p:grpSpPr>
       <p:sp>
         <p:nvSpPr>
-          <p:cNvPr id="109" name="TextShape 1"/>
-          <p:cNvSpPr txBox="1"/>
+          <p:cNvPr id="96" name="CustomShape 1"/>
+          <p:cNvSpPr/>
           <p:nvPr/>
         </p:nvSpPr>
         <p:spPr>
           <a:xfrm>
-            <a:off x="838080" y="365040"/>
-            <a:ext cx="10515240" cy="1325160"/>
+            <a:off x="837720" y="365040"/>
+            <a:ext cx="10514160" cy="1324080"/>
           </a:xfrm>
           <a:prstGeom prst="rect">
             <a:avLst/>
@@ -3527,8 +3155,14 @@
             <a:noFill/>
           </a:ln>
         </p:spPr>
-        <p:txBody>
-          <a:bodyPr anchor="ctr"/>
+        <p:style>
+          <a:lnRef idx="0"/>
+          <a:fillRef idx="0"/>
+          <a:effectRef idx="0"/>
+          <a:fontRef idx="minor"/>
+        </p:style>
+        <p:txBody>
+          <a:bodyPr lIns="90000" rIns="90000" tIns="45000" bIns="45000" anchor="ctr"/>
           <a:p>
             <a:pPr>
               <a:lnSpc>
@@ -3541,6 +3175,7 @@
                   <a:srgbClr val="ffffff"/>
                 </a:solidFill>
                 <a:latin typeface="Meiryo"/>
+                <a:ea typeface="DejaVu Sans"/>
               </a:rPr>
               <a:t>Architecture and Components</a:t>
             </a:r>
@@ -3550,7 +3185,7 @@
       </p:sp>
       <p:pic>
         <p:nvPicPr>
-          <p:cNvPr id="110" name="" descr=""/>
+          <p:cNvPr id="97" name="" descr=""/>
           <p:cNvPicPr/>
           <p:nvPr/>
         </p:nvPicPr>
@@ -3560,8 +3195,8 @@
         </p:blipFill>
         <p:spPr>
           <a:xfrm>
-            <a:off x="1180080" y="1690200"/>
-            <a:ext cx="7689600" cy="4350960"/>
+            <a:off x="1363680" y="1722240"/>
+            <a:ext cx="7688520" cy="4349880"/>
           </a:xfrm>
           <a:prstGeom prst="rect">
             <a:avLst/>
@@ -3622,14 +3257,14 @@
       </p:grpSpPr>
       <p:sp>
         <p:nvSpPr>
-          <p:cNvPr id="111" name="TextShape 1"/>
-          <p:cNvSpPr txBox="1"/>
+          <p:cNvPr id="98" name="CustomShape 1"/>
+          <p:cNvSpPr/>
           <p:nvPr/>
         </p:nvSpPr>
         <p:spPr>
           <a:xfrm>
-            <a:off x="838080" y="365040"/>
-            <a:ext cx="10515240" cy="1325160"/>
+            <a:off x="837720" y="365040"/>
+            <a:ext cx="10514160" cy="1324080"/>
           </a:xfrm>
           <a:prstGeom prst="rect">
             <a:avLst/>
@@ -3639,8 +3274,14 @@
             <a:noFill/>
           </a:ln>
         </p:spPr>
-        <p:txBody>
-          <a:bodyPr anchor="ctr"/>
+        <p:style>
+          <a:lnRef idx="0"/>
+          <a:fillRef idx="0"/>
+          <a:effectRef idx="0"/>
+          <a:fontRef idx="minor"/>
+        </p:style>
+        <p:txBody>
+          <a:bodyPr lIns="90000" rIns="90000" tIns="45000" bIns="45000" anchor="ctr"/>
           <a:p>
             <a:pPr>
               <a:lnSpc>
@@ -3653,6 +3294,7 @@
                   <a:srgbClr val="ffffff"/>
                 </a:solidFill>
                 <a:latin typeface="Meiryo"/>
+                <a:ea typeface="DejaVu Sans"/>
               </a:rPr>
               <a:t>Demo time</a:t>
             </a:r>
@@ -3662,14 +3304,14 @@
       </p:sp>
       <p:sp>
         <p:nvSpPr>
-          <p:cNvPr id="112" name="TextShape 2"/>
-          <p:cNvSpPr txBox="1"/>
+          <p:cNvPr id="99" name="CustomShape 2"/>
+          <p:cNvSpPr/>
           <p:nvPr/>
         </p:nvSpPr>
         <p:spPr>
           <a:xfrm>
-            <a:off x="838080" y="1825560"/>
-            <a:ext cx="10515240" cy="4350960"/>
+            <a:off x="837720" y="1825560"/>
+            <a:ext cx="10514160" cy="4349880"/>
           </a:xfrm>
           <a:prstGeom prst="rect">
             <a:avLst/>
@@ -3679,12 +3321,12 @@
             <a:noFill/>
           </a:ln>
         </p:spPr>
-        <p:txBody>
-          <a:bodyPr/>
-          <a:p>
-            <a:endParaRPr/>
-          </a:p>
-        </p:txBody>
+        <p:style>
+          <a:lnRef idx="0"/>
+          <a:fillRef idx="0"/>
+          <a:effectRef idx="0"/>
+          <a:fontRef idx="minor"/>
+        </p:style>
       </p:sp>
     </p:spTree>
   </p:cSld>
@@ -3737,14 +3379,14 @@
       </p:grpSpPr>
       <p:sp>
         <p:nvSpPr>
-          <p:cNvPr id="113" name="TextShape 1"/>
-          <p:cNvSpPr txBox="1"/>
+          <p:cNvPr id="100" name="CustomShape 1"/>
+          <p:cNvSpPr/>
           <p:nvPr/>
         </p:nvSpPr>
         <p:spPr>
           <a:xfrm>
-            <a:off x="838080" y="365040"/>
-            <a:ext cx="10515240" cy="1325160"/>
+            <a:off x="837720" y="365040"/>
+            <a:ext cx="10514160" cy="1324080"/>
           </a:xfrm>
           <a:prstGeom prst="rect">
             <a:avLst/>
@@ -3754,8 +3396,14 @@
             <a:noFill/>
           </a:ln>
         </p:spPr>
-        <p:txBody>
-          <a:bodyPr anchor="ctr"/>
+        <p:style>
+          <a:lnRef idx="0"/>
+          <a:fillRef idx="0"/>
+          <a:effectRef idx="0"/>
+          <a:fontRef idx="minor"/>
+        </p:style>
+        <p:txBody>
+          <a:bodyPr lIns="90000" rIns="90000" tIns="45000" bIns="45000" anchor="ctr"/>
           <a:p>
             <a:pPr>
               <a:lnSpc>
@@ -3768,6 +3416,7 @@
                   <a:srgbClr val="ffffff"/>
                 </a:solidFill>
                 <a:latin typeface="Meiryo"/>
+                <a:ea typeface="DejaVu Sans"/>
               </a:rPr>
               <a:t>Questions?</a:t>
             </a:r>
@@ -3777,14 +3426,14 @@
       </p:sp>
       <p:sp>
         <p:nvSpPr>
-          <p:cNvPr id="114" name="TextShape 2"/>
-          <p:cNvSpPr txBox="1"/>
+          <p:cNvPr id="101" name="CustomShape 2"/>
+          <p:cNvSpPr/>
           <p:nvPr/>
         </p:nvSpPr>
         <p:spPr>
           <a:xfrm>
-            <a:off x="838080" y="1825560"/>
-            <a:ext cx="10515240" cy="4350960"/>
+            <a:off x="837720" y="1825560"/>
+            <a:ext cx="10514160" cy="4349880"/>
           </a:xfrm>
           <a:prstGeom prst="rect">
             <a:avLst/>
@@ -3794,12 +3443,12 @@
             <a:noFill/>
           </a:ln>
         </p:spPr>
-        <p:txBody>
-          <a:bodyPr/>
-          <a:p>
-            <a:endParaRPr/>
-          </a:p>
-        </p:txBody>
+        <p:style>
+          <a:lnRef idx="0"/>
+          <a:fillRef idx="0"/>
+          <a:effectRef idx="0"/>
+          <a:fontRef idx="minor"/>
+        </p:style>
       </p:sp>
     </p:spTree>
   </p:cSld>
@@ -3852,14 +3501,14 @@
       </p:grpSpPr>
       <p:sp>
         <p:nvSpPr>
-          <p:cNvPr id="81" name="TextShape 1"/>
-          <p:cNvSpPr txBox="1"/>
+          <p:cNvPr id="74" name="CustomShape 1"/>
+          <p:cNvSpPr/>
           <p:nvPr/>
         </p:nvSpPr>
         <p:spPr>
           <a:xfrm>
-            <a:off x="838080" y="365040"/>
-            <a:ext cx="9311760" cy="1325160"/>
+            <a:off x="837720" y="365040"/>
+            <a:ext cx="9310680" cy="1324080"/>
           </a:xfrm>
           <a:prstGeom prst="rect">
             <a:avLst/>
@@ -3869,8 +3518,14 @@
             <a:noFill/>
           </a:ln>
         </p:spPr>
-        <p:txBody>
-          <a:bodyPr anchor="ctr"/>
+        <p:style>
+          <a:lnRef idx="0"/>
+          <a:fillRef idx="0"/>
+          <a:effectRef idx="0"/>
+          <a:fontRef idx="minor"/>
+        </p:style>
+        <p:txBody>
+          <a:bodyPr lIns="90000" rIns="90000" tIns="45000" bIns="45000" anchor="ctr"/>
           <a:p>
             <a:pPr>
               <a:lnSpc>
@@ -3883,6 +3538,7 @@
                   <a:srgbClr val="ffffff"/>
                 </a:solidFill>
                 <a:latin typeface="Meiryo"/>
+                <a:ea typeface="DejaVu Sans"/>
               </a:rPr>
               <a:t>Project Overview</a:t>
             </a:r>
@@ -3892,14 +3548,14 @@
       </p:sp>
       <p:sp>
         <p:nvSpPr>
-          <p:cNvPr id="82" name="TextShape 2"/>
-          <p:cNvSpPr txBox="1"/>
+          <p:cNvPr id="75" name="CustomShape 2"/>
+          <p:cNvSpPr/>
           <p:nvPr/>
         </p:nvSpPr>
         <p:spPr>
           <a:xfrm>
-            <a:off x="838080" y="1825560"/>
-            <a:ext cx="9311760" cy="4350960"/>
+            <a:off x="837720" y="1554480"/>
+            <a:ext cx="9310680" cy="4349880"/>
           </a:xfrm>
           <a:prstGeom prst="rect">
             <a:avLst/>
@@ -3909,8 +3565,14 @@
             <a:noFill/>
           </a:ln>
         </p:spPr>
-        <p:txBody>
-          <a:bodyPr/>
+        <p:style>
+          <a:lnRef idx="0"/>
+          <a:fillRef idx="0"/>
+          <a:effectRef idx="0"/>
+          <a:fontRef idx="minor"/>
+        </p:style>
+        <p:txBody>
+          <a:bodyPr lIns="90000" rIns="90000" tIns="45000" bIns="45000"/>
           <a:p>
             <a:pPr>
               <a:lnSpc>
@@ -3925,6 +3587,7 @@
                   <a:srgbClr val="ffffff"/>
                 </a:solidFill>
                 <a:latin typeface="Meiryo"/>
+                <a:ea typeface="DejaVu Sans"/>
               </a:rPr>
               <a:t>Database holding information for a company’s rewards program</a:t>
             </a:r>
@@ -3944,6 +3607,7 @@
                   <a:srgbClr val="ffffff"/>
                 </a:solidFill>
                 <a:latin typeface="Meiryo"/>
+                <a:ea typeface="DejaVu Sans"/>
               </a:rPr>
               <a:t>Real world application</a:t>
             </a:r>
@@ -3963,6 +3627,7 @@
                   <a:srgbClr val="ffffff"/>
                 </a:solidFill>
                 <a:latin typeface="Meiryo"/>
+                <a:ea typeface="DejaVu Sans"/>
               </a:rPr>
               <a:t>Widely used system</a:t>
             </a:r>
@@ -3982,6 +3647,7 @@
                   <a:srgbClr val="ffffff"/>
                 </a:solidFill>
                 <a:latin typeface="Meiryo"/>
+                <a:ea typeface="DejaVu Sans"/>
               </a:rPr>
               <a:t>Our version</a:t>
             </a:r>
@@ -4001,8 +3667,9 @@
                   <a:srgbClr val="ffffff"/>
                 </a:solidFill>
                 <a:latin typeface="Meiryo"/>
-              </a:rPr>
-              <a:t>For Adidas shoes</a:t>
+                <a:ea typeface="DejaVu Sans"/>
+              </a:rPr>
+              <a:t>For buying shoes</a:t>
             </a:r>
             <a:endParaRPr/>
           </a:p>
@@ -4020,8 +3687,29 @@
                   <a:srgbClr val="ffffff"/>
                 </a:solidFill>
                 <a:latin typeface="Meiryo"/>
-              </a:rPr>
-              <a:t>Every dollar spent equals 10 points earned</a:t>
+                <a:ea typeface="DejaVu Sans"/>
+              </a:rPr>
+              <a:t>Users put into tiers based on number of points</a:t>
+            </a:r>
+            <a:endParaRPr/>
+          </a:p>
+          <a:p>
+            <a:pPr lvl="2">
+              <a:lnSpc>
+                <a:spcPct val="100000"/>
+              </a:lnSpc>
+              <a:buFont typeface="Arial"/>
+              <a:buChar char="•"/>
+            </a:pPr>
+            <a:r>
+              <a:rPr lang="en-US" sz="2000" strike="noStrike">
+                <a:solidFill>
+                  <a:srgbClr val="ffffff"/>
+                </a:solidFill>
+                <a:latin typeface="Meiryo"/>
+                <a:ea typeface="DejaVu Sans"/>
+              </a:rPr>
+              <a:t>Higher tiers have more discounts given</a:t>
             </a:r>
             <a:endParaRPr/>
           </a:p>
@@ -4039,13 +3727,14 @@
                   <a:srgbClr val="ffffff"/>
                 </a:solidFill>
                 <a:latin typeface="Meiryo"/>
-              </a:rPr>
-              <a:t>Users put into tiers based on number of points</a:t>
-            </a:r>
-            <a:endParaRPr/>
-          </a:p>
-          <a:p>
-            <a:pPr lvl="2">
+                <a:ea typeface="DejaVu Sans"/>
+              </a:rPr>
+              <a:t>Points reset every quarter, when the “coupons” are sent out</a:t>
+            </a:r>
+            <a:endParaRPr/>
+          </a:p>
+          <a:p>
+            <a:pPr>
               <a:lnSpc>
                 <a:spcPct val="100000"/>
               </a:lnSpc>
@@ -4053,13 +3742,14 @@
               <a:buChar char="•"/>
             </a:pPr>
             <a:r>
-              <a:rPr lang="en-US" sz="2000" strike="noStrike">
-                <a:solidFill>
-                  <a:srgbClr val="ffffff"/>
-                </a:solidFill>
-                <a:latin typeface="Meiryo"/>
-              </a:rPr>
-              <a:t>Higher tiers have more discounts given</a:t>
+              <a:rPr lang="en-US" sz="2800" strike="noStrike">
+                <a:solidFill>
+                  <a:srgbClr val="ffffff"/>
+                </a:solidFill>
+                <a:latin typeface="Meiryo"/>
+                <a:ea typeface="DejaVu Sans"/>
+              </a:rPr>
+              <a:t>Java Server Pages (JSP)</a:t>
             </a:r>
             <a:endParaRPr/>
           </a:p>
@@ -4077,44 +3767,7 @@
                   <a:srgbClr val="ffffff"/>
                 </a:solidFill>
                 <a:latin typeface="Meiryo"/>
-              </a:rPr>
-              <a:t>Points reset every quarter, when the coupons are sent out</a:t>
-            </a:r>
-            <a:endParaRPr/>
-          </a:p>
-          <a:p>
-            <a:pPr>
-              <a:lnSpc>
-                <a:spcPct val="100000"/>
-              </a:lnSpc>
-              <a:buFont typeface="Arial"/>
-              <a:buChar char="•"/>
-            </a:pPr>
-            <a:r>
-              <a:rPr lang="en-US" sz="2800" strike="noStrike">
-                <a:solidFill>
-                  <a:srgbClr val="ffffff"/>
-                </a:solidFill>
-                <a:latin typeface="Meiryo"/>
-              </a:rPr>
-              <a:t>Java Server Pages (JSP)</a:t>
-            </a:r>
-            <a:endParaRPr/>
-          </a:p>
-          <a:p>
-            <a:pPr lvl="1">
-              <a:lnSpc>
-                <a:spcPct val="100000"/>
-              </a:lnSpc>
-              <a:buFont typeface="Arial"/>
-              <a:buChar char="•"/>
-            </a:pPr>
-            <a:r>
-              <a:rPr lang="en-US" sz="2400" strike="noStrike">
-                <a:solidFill>
-                  <a:srgbClr val="ffffff"/>
-                </a:solidFill>
-                <a:latin typeface="Meiryo"/>
+                <a:ea typeface="DejaVu Sans"/>
               </a:rPr>
               <a:t>Allows communication between database and website via servlets</a:t>
             </a:r>
@@ -4173,14 +3826,14 @@
       </p:grpSpPr>
       <p:sp>
         <p:nvSpPr>
-          <p:cNvPr id="83" name="TextShape 1"/>
-          <p:cNvSpPr txBox="1"/>
+          <p:cNvPr id="76" name="CustomShape 1"/>
+          <p:cNvSpPr/>
           <p:nvPr/>
         </p:nvSpPr>
         <p:spPr>
           <a:xfrm>
-            <a:off x="822960" y="0"/>
-            <a:ext cx="10515240" cy="1325160"/>
+            <a:off x="822600" y="0"/>
+            <a:ext cx="10514160" cy="1324080"/>
           </a:xfrm>
           <a:prstGeom prst="rect">
             <a:avLst/>
@@ -4190,8 +3843,14 @@
             <a:noFill/>
           </a:ln>
         </p:spPr>
-        <p:txBody>
-          <a:bodyPr anchor="ctr"/>
+        <p:style>
+          <a:lnRef idx="0"/>
+          <a:fillRef idx="0"/>
+          <a:effectRef idx="0"/>
+          <a:fontRef idx="minor"/>
+        </p:style>
+        <p:txBody>
+          <a:bodyPr lIns="90000" rIns="90000" tIns="45000" bIns="45000" anchor="ctr"/>
           <a:p>
             <a:pPr>
               <a:lnSpc>
@@ -4204,6 +3863,7 @@
                   <a:srgbClr val="ffffff"/>
                 </a:solidFill>
                 <a:latin typeface="Meiryo"/>
+                <a:ea typeface="DejaVu Sans"/>
               </a:rPr>
               <a:t>UML Diagram</a:t>
             </a:r>
@@ -4213,7 +3873,7 @@
       </p:sp>
       <p:pic>
         <p:nvPicPr>
-          <p:cNvPr id="84" name="Picture 5" descr=""/>
+          <p:cNvPr id="77" name="" descr=""/>
           <p:cNvPicPr/>
           <p:nvPr/>
         </p:nvPicPr>
@@ -4223,8 +3883,8 @@
         </p:blipFill>
         <p:spPr>
           <a:xfrm>
-            <a:off x="548640" y="1188720"/>
-            <a:ext cx="9418320" cy="5229360"/>
+            <a:off x="457200" y="1159920"/>
+            <a:ext cx="10449360" cy="5514840"/>
           </a:xfrm>
           <a:prstGeom prst="rect">
             <a:avLst/>
@@ -4285,14 +3945,14 @@
       </p:grpSpPr>
       <p:sp>
         <p:nvSpPr>
-          <p:cNvPr id="85" name="TextShape 1"/>
-          <p:cNvSpPr txBox="1"/>
+          <p:cNvPr id="78" name="CustomShape 1"/>
+          <p:cNvSpPr/>
           <p:nvPr/>
         </p:nvSpPr>
         <p:spPr>
           <a:xfrm>
-            <a:off x="457200" y="365040"/>
-            <a:ext cx="10515240" cy="1325160"/>
+            <a:off x="456840" y="365040"/>
+            <a:ext cx="10514160" cy="1324080"/>
           </a:xfrm>
           <a:prstGeom prst="rect">
             <a:avLst/>
@@ -4302,8 +3962,14 @@
             <a:noFill/>
           </a:ln>
         </p:spPr>
-        <p:txBody>
-          <a:bodyPr anchor="ctr"/>
+        <p:style>
+          <a:lnRef idx="0"/>
+          <a:fillRef idx="0"/>
+          <a:effectRef idx="0"/>
+          <a:fontRef idx="minor"/>
+        </p:style>
+        <p:txBody>
+          <a:bodyPr lIns="90000" rIns="90000" tIns="45000" bIns="45000" anchor="ctr"/>
           <a:p>
             <a:pPr>
               <a:lnSpc>
@@ -4316,6 +3982,7 @@
                   <a:srgbClr val="ffffff"/>
                 </a:solidFill>
                 <a:latin typeface="Meiryo"/>
+                <a:ea typeface="DejaVu Sans"/>
               </a:rPr>
               <a:t>Convert UML to Relational Model (</a:t>
             </a:r>
@@ -4335,6 +4002,7 @@
                   <a:srgbClr val="ffffff"/>
                 </a:solidFill>
                 <a:latin typeface="Meiryo"/>
+                <a:ea typeface="Meiryo"/>
               </a:rPr>
               <a:t>1</a:t>
             </a:r>
@@ -4344,6 +4012,7 @@
                   <a:srgbClr val="ffffff"/>
                 </a:solidFill>
                 <a:latin typeface="Meiryo"/>
+                <a:ea typeface="Meiryo"/>
               </a:rPr>
               <a:t>)</a:t>
             </a:r>
@@ -4353,14 +4022,14 @@
       </p:sp>
       <p:sp>
         <p:nvSpPr>
-          <p:cNvPr id="86" name="TextShape 2"/>
-          <p:cNvSpPr txBox="1"/>
+          <p:cNvPr id="79" name="CustomShape 2"/>
+          <p:cNvSpPr/>
           <p:nvPr/>
         </p:nvSpPr>
         <p:spPr>
           <a:xfrm>
-            <a:off x="457560" y="1775520"/>
-            <a:ext cx="9875160" cy="4350960"/>
+            <a:off x="457200" y="1775520"/>
+            <a:ext cx="9874080" cy="4349880"/>
           </a:xfrm>
           <a:prstGeom prst="rect">
             <a:avLst/>
@@ -4370,8 +4039,14 @@
             <a:noFill/>
           </a:ln>
         </p:spPr>
-        <p:txBody>
-          <a:bodyPr/>
+        <p:style>
+          <a:lnRef idx="0"/>
+          <a:fillRef idx="0"/>
+          <a:effectRef idx="0"/>
+          <a:fontRef idx="minor"/>
+        </p:style>
+        <p:txBody>
+          <a:bodyPr lIns="90000" rIns="90000" tIns="45000" bIns="45000"/>
           <a:p>
             <a:pPr>
               <a:lnSpc>
@@ -4386,8 +4061,29 @@
                   <a:srgbClr val="ffffff"/>
                 </a:solidFill>
                 <a:latin typeface="Meiryo"/>
-              </a:rPr>
-              <a:t>Users(userID, isAdmin, userName, userPassword, createdOn)</a:t>
+                <a:ea typeface="DejaVu Sans"/>
+              </a:rPr>
+              <a:t>Users(</a:t>
+            </a:r>
+            <a:r>
+              <a:rPr b="1" lang="en-US" sz="2600" strike="noStrike">
+                <a:solidFill>
+                  <a:srgbClr val="ffffff"/>
+                </a:solidFill>
+                <a:latin typeface="Meiryo"/>
+                <a:ea typeface="DejaVu Sans"/>
+              </a:rPr>
+              <a:t>userID</a:t>
+            </a:r>
+            <a:r>
+              <a:rPr lang="en-US" sz="2600" strike="noStrike">
+                <a:solidFill>
+                  <a:srgbClr val="ffffff"/>
+                </a:solidFill>
+                <a:latin typeface="Meiryo"/>
+                <a:ea typeface="DejaVu Sans"/>
+              </a:rPr>
+              <a:t>, isAdmin, userName, userPassword, createdOn)</a:t>
             </a:r>
             <a:endParaRPr/>
           </a:p>
@@ -4405,8 +4101,49 @@
                   <a:srgbClr val="ffffff"/>
                 </a:solidFill>
                 <a:latin typeface="Meiryo"/>
-              </a:rPr>
-              <a:t>Points(userID, points, userCategoryID, pointsRenewalDate)</a:t>
+                <a:ea typeface="DejaVu Sans"/>
+              </a:rPr>
+              <a:t>Points(</a:t>
+            </a:r>
+            <a:r>
+              <a:rPr b="1" lang="en-US" sz="2600" strike="noStrike">
+                <a:solidFill>
+                  <a:srgbClr val="ffffff"/>
+                </a:solidFill>
+                <a:latin typeface="Meiryo"/>
+                <a:ea typeface="DejaVu Sans"/>
+              </a:rPr>
+              <a:t>userID</a:t>
+            </a:r>
+            <a:r>
+              <a:rPr lang="en-US" sz="2600" strike="noStrike">
+                <a:solidFill>
+                  <a:srgbClr val="ffffff"/>
+                </a:solidFill>
+                <a:latin typeface="Meiryo"/>
+                <a:ea typeface="DejaVu Sans"/>
+              </a:rPr>
+              <a:t>, points, </a:t>
+            </a:r>
+            <a:r>
+              <a:rPr lang="en-US" sz="2600" strike="noStrike" u="sng">
+                <a:solidFill>
+                  <a:srgbClr val="ffffff"/>
+                </a:solidFill>
+                <a:latin typeface="Meiryo"/>
+                <a:ea typeface="DejaVu Sans"/>
+              </a:rPr>
+              <a:t>userCategoryID</a:t>
+            </a:r>
+            <a:r>
+              <a:rPr lang="en-US" sz="2600" strike="noStrike">
+                <a:solidFill>
+                  <a:srgbClr val="ffffff"/>
+                </a:solidFill>
+                <a:latin typeface="Meiryo"/>
+                <a:ea typeface="DejaVu Sans"/>
+              </a:rPr>
+              <a:t>, pointsRenewalDate)</a:t>
             </a:r>
             <a:endParaRPr/>
           </a:p>
@@ -4424,8 +4161,29 @@
                   <a:srgbClr val="ffffff"/>
                 </a:solidFill>
                 <a:latin typeface="Meiryo"/>
-              </a:rPr>
-              <a:t>Categories(categoryID, categoryName, categoryDiscount, categoryMinPoints)</a:t>
+                <a:ea typeface="DejaVu Sans"/>
+              </a:rPr>
+              <a:t>Categories(</a:t>
+            </a:r>
+            <a:r>
+              <a:rPr b="1" lang="en-US" sz="2600" strike="noStrike">
+                <a:solidFill>
+                  <a:srgbClr val="ffffff"/>
+                </a:solidFill>
+                <a:latin typeface="Meiryo"/>
+                <a:ea typeface="DejaVu Sans"/>
+              </a:rPr>
+              <a:t>categoryID</a:t>
+            </a:r>
+            <a:r>
+              <a:rPr lang="en-US" sz="2600" strike="noStrike">
+                <a:solidFill>
+                  <a:srgbClr val="ffffff"/>
+                </a:solidFill>
+                <a:latin typeface="Meiryo"/>
+                <a:ea typeface="DejaVu Sans"/>
+              </a:rPr>
+              <a:t>, categoryName, categoryDiscount, categoryMinPoints)</a:t>
             </a:r>
             <a:endParaRPr/>
           </a:p>
@@ -4443,8 +4201,49 @@
                   <a:srgbClr val="ffffff"/>
                 </a:solidFill>
                 <a:latin typeface="Meiryo"/>
-              </a:rPr>
-              <a:t>Products(productID, productPrice, productImage, ProductName, productDescription, productPoints, productCategoryID)</a:t>
+                <a:ea typeface="DejaVu Sans"/>
+              </a:rPr>
+              <a:t>Products(</a:t>
+            </a:r>
+            <a:r>
+              <a:rPr b="1" lang="en-US" sz="2600" strike="noStrike">
+                <a:solidFill>
+                  <a:srgbClr val="ffffff"/>
+                </a:solidFill>
+                <a:latin typeface="Meiryo"/>
+                <a:ea typeface="DejaVu Sans"/>
+              </a:rPr>
+              <a:t>productID</a:t>
+            </a:r>
+            <a:r>
+              <a:rPr lang="en-US" sz="2600" strike="noStrike">
+                <a:solidFill>
+                  <a:srgbClr val="ffffff"/>
+                </a:solidFill>
+                <a:latin typeface="Meiryo"/>
+                <a:ea typeface="DejaVu Sans"/>
+              </a:rPr>
+              <a:t>, productPrice, productImage, ProductName, productDescription, productPoints, </a:t>
+            </a:r>
+            <a:r>
+              <a:rPr lang="en-US" sz="2600" strike="noStrike" u="sng">
+                <a:solidFill>
+                  <a:srgbClr val="ffffff"/>
+                </a:solidFill>
+                <a:latin typeface="Meiryo"/>
+                <a:ea typeface="DejaVu Sans"/>
+              </a:rPr>
+              <a:t>productCategoryID</a:t>
+            </a:r>
+            <a:r>
+              <a:rPr lang="en-US" sz="2600" strike="noStrike">
+                <a:solidFill>
+                  <a:srgbClr val="ffffff"/>
+                </a:solidFill>
+                <a:latin typeface="Meiryo"/>
+                <a:ea typeface="DejaVu Sans"/>
+              </a:rPr>
+              <a:t>)</a:t>
             </a:r>
             <a:endParaRPr/>
           </a:p>
@@ -4462,8 +4261,69 @@
                   <a:srgbClr val="ffffff"/>
                 </a:solidFill>
                 <a:latin typeface="Meiryo"/>
-              </a:rPr>
-              <a:t>Orders(orderID, userID, productID, orderAmount)</a:t>
+                <a:ea typeface="DejaVu Sans"/>
+              </a:rPr>
+              <a:t>Orders(</a:t>
+            </a:r>
+            <a:r>
+              <a:rPr b="1" lang="en-US" sz="2600" strike="noStrike">
+                <a:solidFill>
+                  <a:srgbClr val="ffffff"/>
+                </a:solidFill>
+                <a:latin typeface="Meiryo"/>
+                <a:ea typeface="DejaVu Sans"/>
+              </a:rPr>
+              <a:t>orderID</a:t>
+            </a:r>
+            <a:r>
+              <a:rPr lang="en-US" sz="2600" strike="noStrike">
+                <a:solidFill>
+                  <a:srgbClr val="ffffff"/>
+                </a:solidFill>
+                <a:latin typeface="Meiryo"/>
+                <a:ea typeface="DejaVu Sans"/>
+              </a:rPr>
+              <a:t>, </a:t>
+            </a:r>
+            <a:r>
+              <a:rPr lang="en-US" sz="2600" strike="noStrike" u="sng">
+                <a:solidFill>
+                  <a:srgbClr val="ffffff"/>
+                </a:solidFill>
+                <a:latin typeface="Meiryo"/>
+                <a:ea typeface="DejaVu Sans"/>
+              </a:rPr>
+              <a:t>userID</a:t>
+            </a:r>
+            <a:r>
+              <a:rPr lang="en-US" sz="2600" strike="noStrike">
+                <a:solidFill>
+                  <a:srgbClr val="ffffff"/>
+                </a:solidFill>
+                <a:latin typeface="Meiryo"/>
+                <a:ea typeface="DejaVu Sans"/>
+              </a:rPr>
+              <a:t>, </a:t>
+            </a:r>
+            <a:r>
+              <a:rPr lang="en-US" sz="2600" strike="noStrike" u="sng">
+                <a:solidFill>
+                  <a:srgbClr val="ffffff"/>
+                </a:solidFill>
+                <a:latin typeface="Meiryo"/>
+                <a:ea typeface="DejaVu Sans"/>
+              </a:rPr>
+              <a:t>productID</a:t>
+            </a:r>
+            <a:r>
+              <a:rPr lang="en-US" sz="2600" strike="noStrike">
+                <a:solidFill>
+                  <a:srgbClr val="ffffff"/>
+                </a:solidFill>
+                <a:latin typeface="Meiryo"/>
+                <a:ea typeface="DejaVu Sans"/>
+              </a:rPr>
+              <a:t>, orderAmount)</a:t>
             </a:r>
             <a:endParaRPr/>
           </a:p>
@@ -4520,14 +4380,14 @@
       </p:grpSpPr>
       <p:sp>
         <p:nvSpPr>
-          <p:cNvPr id="87" name="TextShape 1"/>
-          <p:cNvSpPr txBox="1"/>
+          <p:cNvPr id="80" name="CustomShape 1"/>
+          <p:cNvSpPr/>
           <p:nvPr/>
         </p:nvSpPr>
         <p:spPr>
           <a:xfrm>
-            <a:off x="457560" y="365760"/>
-            <a:ext cx="9875160" cy="1325160"/>
+            <a:off x="457200" y="365760"/>
+            <a:ext cx="9874080" cy="1324080"/>
           </a:xfrm>
           <a:prstGeom prst="rect">
             <a:avLst/>
@@ -4537,8 +4397,14 @@
             <a:noFill/>
           </a:ln>
         </p:spPr>
-        <p:txBody>
-          <a:bodyPr anchor="ctr"/>
+        <p:style>
+          <a:lnRef idx="0"/>
+          <a:fillRef idx="0"/>
+          <a:effectRef idx="0"/>
+          <a:fontRef idx="minor"/>
+        </p:style>
+        <p:txBody>
+          <a:bodyPr lIns="90000" rIns="90000" tIns="45000" bIns="45000" anchor="ctr"/>
           <a:p>
             <a:pPr>
               <a:lnSpc>
@@ -4551,6 +4417,7 @@
                   <a:srgbClr val="ffffff"/>
                 </a:solidFill>
                 <a:latin typeface="Meiryo"/>
+                <a:ea typeface="DejaVu Sans"/>
               </a:rPr>
               <a:t>Functional Dependencies</a:t>
             </a:r>
@@ -4560,14 +4427,14 @@
       </p:sp>
       <p:sp>
         <p:nvSpPr>
-          <p:cNvPr id="88" name="TextShape 2"/>
-          <p:cNvSpPr txBox="1"/>
+          <p:cNvPr id="81" name="CustomShape 2"/>
+          <p:cNvSpPr/>
           <p:nvPr/>
         </p:nvSpPr>
         <p:spPr>
           <a:xfrm>
-            <a:off x="457560" y="1826280"/>
-            <a:ext cx="9875160" cy="4350960"/>
+            <a:off x="457200" y="1826280"/>
+            <a:ext cx="9874080" cy="4349880"/>
           </a:xfrm>
           <a:prstGeom prst="rect">
             <a:avLst/>
@@ -4577,8 +4444,14 @@
             <a:noFill/>
           </a:ln>
         </p:spPr>
-        <p:txBody>
-          <a:bodyPr/>
+        <p:style>
+          <a:lnRef idx="0"/>
+          <a:fillRef idx="0"/>
+          <a:effectRef idx="0"/>
+          <a:fontRef idx="minor"/>
+        </p:style>
+        <p:txBody>
+          <a:bodyPr lIns="90000" rIns="90000" tIns="45000" bIns="45000"/>
           <a:p>
             <a:pPr>
               <a:lnSpc>
@@ -4593,6 +4466,7 @@
                   <a:srgbClr val="ffffff"/>
                 </a:solidFill>
                 <a:latin typeface="Meiryo"/>
+                <a:ea typeface="DejaVu Sans"/>
               </a:rPr>
               <a:t>UserId → isAdmin, userName, userPassword, userCreatedOn, points, pointsRenewal</a:t>
             </a:r>
@@ -4612,8 +4486,9 @@
                   <a:srgbClr val="ffffff"/>
                 </a:solidFill>
                 <a:latin typeface="Meiryo"/>
-              </a:rPr>
-              <a:t>productId </a:t>
+                <a:ea typeface="DejaVu Sans"/>
+              </a:rPr>
+              <a:t>productId → productPrice, productName, </a:t>
             </a:r>
             <a:r>
               <a:rPr lang="en-US" sz="2600" strike="noStrike">
@@ -4621,8 +4496,9 @@
                   <a:srgbClr val="ffffff"/>
                 </a:solidFill>
                 <a:latin typeface="Meiryo"/>
-              </a:rPr>
-              <a:t>→</a:t>
+                <a:ea typeface="DejaVu Sans"/>
+              </a:rPr>
+              <a:t>	</a:t>
             </a:r>
             <a:r>
               <a:rPr lang="en-US" sz="2600" strike="noStrike">
@@ -4630,8 +4506,9 @@
                   <a:srgbClr val="ffffff"/>
                 </a:solidFill>
                 <a:latin typeface="Meiryo"/>
-              </a:rPr>
-              <a:t> productPrice, productName, </a:t>
+                <a:ea typeface="DejaVu Sans"/>
+              </a:rPr>
+              <a:t>	</a:t>
             </a:r>
             <a:r>
               <a:rPr lang="en-US" sz="2600" strike="noStrike">
@@ -4639,24 +4516,7 @@
                   <a:srgbClr val="ffffff"/>
                 </a:solidFill>
                 <a:latin typeface="Meiryo"/>
-              </a:rPr>
-              <a:t>	</a:t>
-            </a:r>
-            <a:r>
-              <a:rPr lang="en-US" sz="2600" strike="noStrike">
-                <a:solidFill>
-                  <a:srgbClr val="ffffff"/>
-                </a:solidFill>
-                <a:latin typeface="Meiryo"/>
-              </a:rPr>
-              <a:t>	</a:t>
-            </a:r>
-            <a:r>
-              <a:rPr lang="en-US" sz="2600" strike="noStrike">
-                <a:solidFill>
-                  <a:srgbClr val="ffffff"/>
-                </a:solidFill>
-                <a:latin typeface="Meiryo"/>
+                <a:ea typeface="DejaVu Sans"/>
               </a:rPr>
               <a:t>productDescription, productCategoryId, productPoints,            productImage</a:t>
             </a:r>
@@ -4676,26 +4536,9 @@
                   <a:srgbClr val="ffffff"/>
                 </a:solidFill>
                 <a:latin typeface="Meiryo"/>
-              </a:rPr>
-              <a:t>categoryId </a:t>
-            </a:r>
-            <a:r>
-              <a:rPr lang="en-US" sz="2600" strike="noStrike">
-                <a:solidFill>
-                  <a:srgbClr val="ffffff"/>
-                </a:solidFill>
-                <a:latin typeface="Meiryo"/>
-              </a:rPr>
-              <a:t>→</a:t>
-            </a:r>
-            <a:r>
-              <a:rPr lang="en-US" sz="2600" strike="noStrike">
-                <a:solidFill>
-                  <a:srgbClr val="ffffff"/>
-                </a:solidFill>
-                <a:latin typeface="Meiryo"/>
-              </a:rPr>
-              <a:t> categoryName, categoryMinPoints, categoryDiscount</a:t>
+                <a:ea typeface="DejaVu Sans"/>
+              </a:rPr>
+              <a:t>categoryId → categoryName, categoryMinPoints, categoryDiscount</a:t>
             </a:r>
             <a:endParaRPr/>
           </a:p>
@@ -4713,26 +4556,9 @@
                   <a:srgbClr val="ffffff"/>
                 </a:solidFill>
                 <a:latin typeface="Meiryo"/>
-              </a:rPr>
-              <a:t>orderId </a:t>
-            </a:r>
-            <a:r>
-              <a:rPr lang="en-US" sz="2600" strike="noStrike">
-                <a:solidFill>
-                  <a:srgbClr val="ffffff"/>
-                </a:solidFill>
-                <a:latin typeface="Meiryo"/>
-              </a:rPr>
-              <a:t>→</a:t>
-            </a:r>
-            <a:r>
-              <a:rPr lang="en-US" sz="2600" strike="noStrike">
-                <a:solidFill>
-                  <a:srgbClr val="ffffff"/>
-                </a:solidFill>
-                <a:latin typeface="Meiryo"/>
-              </a:rPr>
-              <a:t> orderedOn, amount, orderProductId, userId</a:t>
+                <a:ea typeface="DejaVu Sans"/>
+              </a:rPr>
+              <a:t>orderId → orderedOn, amount, orderProductId, userId</a:t>
             </a:r>
             <a:endParaRPr/>
           </a:p>
@@ -4750,26 +4576,9 @@
                   <a:srgbClr val="ffffff"/>
                 </a:solidFill>
                 <a:latin typeface="Meiryo"/>
-              </a:rPr>
-              <a:t>userName </a:t>
-            </a:r>
-            <a:r>
-              <a:rPr lang="en-US" sz="2600" strike="noStrike">
-                <a:solidFill>
-                  <a:srgbClr val="ffffff"/>
-                </a:solidFill>
-                <a:latin typeface="Meiryo"/>
-              </a:rPr>
-              <a:t>→</a:t>
-            </a:r>
-            <a:r>
-              <a:rPr lang="en-US" sz="2600" strike="noStrike">
-                <a:solidFill>
-                  <a:srgbClr val="ffffff"/>
-                </a:solidFill>
-                <a:latin typeface="Meiryo"/>
-              </a:rPr>
-              <a:t> isAdmin, userPassword, userCreatedOn</a:t>
+                <a:ea typeface="DejaVu Sans"/>
+              </a:rPr>
+              <a:t>userName → isAdmin, userPassword, userCreatedOn</a:t>
             </a:r>
             <a:endParaRPr/>
           </a:p>
@@ -4834,14 +4643,14 @@
       </p:grpSpPr>
       <p:sp>
         <p:nvSpPr>
-          <p:cNvPr id="89" name="TextShape 1"/>
-          <p:cNvSpPr txBox="1"/>
+          <p:cNvPr id="82" name="CustomShape 1"/>
+          <p:cNvSpPr/>
           <p:nvPr/>
         </p:nvSpPr>
         <p:spPr>
           <a:xfrm>
-            <a:off x="823320" y="365760"/>
-            <a:ext cx="10515240" cy="1325160"/>
+            <a:off x="822960" y="365760"/>
+            <a:ext cx="10514160" cy="1324080"/>
           </a:xfrm>
           <a:prstGeom prst="rect">
             <a:avLst/>
@@ -4851,8 +4660,14 @@
             <a:noFill/>
           </a:ln>
         </p:spPr>
-        <p:txBody>
-          <a:bodyPr anchor="ctr"/>
+        <p:style>
+          <a:lnRef idx="0"/>
+          <a:fillRef idx="0"/>
+          <a:effectRef idx="0"/>
+          <a:fontRef idx="minor"/>
+        </p:style>
+        <p:txBody>
+          <a:bodyPr lIns="90000" rIns="90000" tIns="45000" bIns="45000" anchor="ctr"/>
           <a:p>
             <a:pPr>
               <a:lnSpc>
@@ -4865,6 +4680,7 @@
                   <a:srgbClr val="ffffff"/>
                 </a:solidFill>
                 <a:latin typeface="Meiryo"/>
+                <a:ea typeface="DejaVu Sans"/>
               </a:rPr>
               <a:t>1NF</a:t>
             </a:r>
@@ -4874,6 +4690,7 @@
                   <a:srgbClr val="ffffff"/>
                 </a:solidFill>
                 <a:latin typeface="Impact"/>
+                <a:ea typeface="DejaVu Sans"/>
               </a:rPr>
               <a:t>    </a:t>
             </a:r>
@@ -4883,6 +4700,7 @@
                   <a:srgbClr val="ffffff"/>
                 </a:solidFill>
                 <a:latin typeface="Impact"/>
+                <a:ea typeface="DejaVu Sans"/>
               </a:rPr>
               <a:t>	</a:t>
             </a:r>
@@ -4892,25 +4710,25 @@
       </p:sp>
       <p:graphicFrame>
         <p:nvGraphicFramePr>
-          <p:cNvPr id="90" name="Table 2"/>
+          <p:cNvPr id="83" name="Table 2"/>
           <p:cNvGraphicFramePr/>
           <p:nvPr/>
         </p:nvGraphicFramePr>
         <p:xfrm>
-          <a:off x="4496040" y="883440"/>
-          <a:ext cx="1963800" cy="4517280"/>
+          <a:off x="4495680" y="883440"/>
+          <a:ext cx="1962720" cy="4516200"/>
         </p:xfrm>
         <a:graphic>
           <a:graphicData uri="http://schemas.openxmlformats.org/drawingml/2006/table">
             <a:tbl>
               <a:tblPr/>
               <a:tblGrid>
-                <a:gridCol w="1964160"/>
+                <a:gridCol w="1962720"/>
               </a:tblGrid>
-              <a:tr h="311400">
+              <a:tr h="402840">
                 <a:tc>
                   <a:txBody>
-                    <a:bodyPr lIns="68400" rIns="68400" tIns="0" bIns="0"/>
+                    <a:bodyPr/>
                     <a:p>
                       <a:pPr>
                         <a:lnSpc>
@@ -4932,10 +4750,10 @@
                   <a:tcPr/>
                 </a:tc>
               </a:tr>
-              <a:tr h="4846320">
+              <a:tr h="4937760">
                 <a:tc>
                   <a:txBody>
-                    <a:bodyPr lIns="68400" rIns="68400" tIns="0" bIns="0"/>
+                    <a:bodyPr/>
                     <a:p>
                       <a:pPr>
                         <a:lnSpc>
@@ -5352,14 +5170,14 @@
       </p:grpSpPr>
       <p:sp>
         <p:nvSpPr>
-          <p:cNvPr id="91" name="TextShape 1"/>
-          <p:cNvSpPr txBox="1"/>
+          <p:cNvPr id="84" name="CustomShape 1"/>
+          <p:cNvSpPr/>
           <p:nvPr/>
         </p:nvSpPr>
         <p:spPr>
           <a:xfrm>
-            <a:off x="838080" y="365040"/>
-            <a:ext cx="10515240" cy="1325160"/>
+            <a:off x="837720" y="365040"/>
+            <a:ext cx="10514160" cy="1324080"/>
           </a:xfrm>
           <a:prstGeom prst="rect">
             <a:avLst/>
@@ -5369,8 +5187,14 @@
             <a:noFill/>
           </a:ln>
         </p:spPr>
-        <p:txBody>
-          <a:bodyPr anchor="ctr"/>
+        <p:style>
+          <a:lnRef idx="0"/>
+          <a:fillRef idx="0"/>
+          <a:effectRef idx="0"/>
+          <a:fontRef idx="minor"/>
+        </p:style>
+        <p:txBody>
+          <a:bodyPr lIns="90000" rIns="90000" tIns="45000" bIns="45000" anchor="ctr"/>
           <a:p>
             <a:pPr>
               <a:lnSpc>
@@ -5383,722 +5207,93 @@
                   <a:srgbClr val="ffffff"/>
                 </a:solidFill>
                 <a:latin typeface="Meiryo"/>
-              </a:rPr>
-              <a:t>2NF</a:t>
-            </a:r>
-            <a:endParaRPr/>
-          </a:p>
-        </p:txBody>
-      </p:sp>
-      <p:graphicFrame>
-        <p:nvGraphicFramePr>
-          <p:cNvPr id="92" name="Table 2"/>
-          <p:cNvGraphicFramePr/>
-          <p:nvPr/>
-        </p:nvGraphicFramePr>
-        <p:xfrm>
-          <a:off x="2048400" y="2088000"/>
-          <a:ext cx="1150920" cy="1429200"/>
-        </p:xfrm>
-        <a:graphic>
-          <a:graphicData uri="http://schemas.openxmlformats.org/drawingml/2006/table">
-            <a:tbl>
-              <a:tblPr/>
-              <a:tblGrid>
-                <a:gridCol w="1150920"/>
-              </a:tblGrid>
-              <a:tr h="172800">
-                <a:tc>
-                  <a:txBody>
-                    <a:bodyPr lIns="68400" rIns="68400" tIns="0" bIns="0"/>
-                    <a:p>
-                      <a:pPr>
-                        <a:lnSpc>
-                          <a:spcPct val="107000"/>
-                        </a:lnSpc>
-                      </a:pPr>
-                      <a:r>
-                        <a:rPr b="1" lang="en-US" sz="1100" strike="noStrike">
-                          <a:solidFill>
-                            <a:srgbClr val="ffffff"/>
-                          </a:solidFill>
-                          <a:latin typeface="Calibri"/>
-                        </a:rPr>
-                        <a:t>Users</a:t>
-                      </a:r>
-                      <a:endParaRPr/>
-                    </a:p>
-                  </a:txBody>
-                  <a:tcPr/>
-                </a:tc>
-              </a:tr>
-              <a:tr h="1463040">
-                <a:tc>
-                  <a:txBody>
-                    <a:bodyPr lIns="68400" rIns="68400" tIns="0" bIns="0"/>
-                    <a:p>
-                      <a:pPr>
-                        <a:lnSpc>
-                          <a:spcPct val="107000"/>
-                        </a:lnSpc>
-                      </a:pPr>
-                      <a:r>
-                        <a:rPr b="1" lang="en-US" sz="1100" strike="noStrike">
-                          <a:solidFill>
-                            <a:srgbClr val="ffffff"/>
-                          </a:solidFill>
-                          <a:latin typeface="Calibri"/>
-                        </a:rPr>
-                        <a:t>userId &lt;&lt;PK&gt;&gt;</a:t>
-                      </a:r>
-                      <a:endParaRPr/>
-                    </a:p>
-                    <a:p>
-                      <a:pPr>
-                        <a:lnSpc>
-                          <a:spcPct val="107000"/>
-                        </a:lnSpc>
-                      </a:pPr>
-                      <a:r>
-                        <a:rPr b="1" lang="en-US" sz="1100" strike="noStrike">
-                          <a:solidFill>
-                            <a:srgbClr val="ffffff"/>
-                          </a:solidFill>
-                          <a:latin typeface="Calibri"/>
-                        </a:rPr>
-                        <a:t>isAdmin</a:t>
-                      </a:r>
-                      <a:endParaRPr/>
-                    </a:p>
-                    <a:p>
-                      <a:pPr>
-                        <a:lnSpc>
-                          <a:spcPct val="107000"/>
-                        </a:lnSpc>
-                      </a:pPr>
-                      <a:r>
-                        <a:rPr b="1" lang="en-US" sz="1100" strike="noStrike">
-                          <a:solidFill>
-                            <a:srgbClr val="ffffff"/>
-                          </a:solidFill>
-                          <a:latin typeface="Calibri"/>
-                        </a:rPr>
-                        <a:t>userName</a:t>
-                      </a:r>
-                      <a:endParaRPr/>
-                    </a:p>
-                    <a:p>
-                      <a:pPr>
-                        <a:lnSpc>
-                          <a:spcPct val="107000"/>
-                        </a:lnSpc>
-                      </a:pPr>
-                      <a:r>
-                        <a:rPr b="1" lang="en-US" sz="1100" strike="noStrike">
-                          <a:solidFill>
-                            <a:srgbClr val="ffffff"/>
-                          </a:solidFill>
-                          <a:latin typeface="Calibri"/>
-                        </a:rPr>
-                        <a:t>userPassword</a:t>
-                      </a:r>
-                      <a:endParaRPr/>
-                    </a:p>
-                    <a:p>
-                      <a:pPr>
-                        <a:lnSpc>
-                          <a:spcPct val="107000"/>
-                        </a:lnSpc>
-                      </a:pPr>
-                      <a:r>
-                        <a:rPr b="1" lang="en-US" sz="1100" strike="noStrike">
-                          <a:solidFill>
-                            <a:srgbClr val="ffffff"/>
-                          </a:solidFill>
-                          <a:latin typeface="Calibri"/>
-                        </a:rPr>
-                        <a:t>userCreatedOn</a:t>
-                      </a:r>
-                      <a:endParaRPr/>
-                    </a:p>
-                    <a:p>
-                      <a:pPr>
-                        <a:lnSpc>
-                          <a:spcPct val="107000"/>
-                        </a:lnSpc>
-                      </a:pPr>
-                      <a:r>
-                        <a:rPr b="1" lang="en-US" sz="1100" strike="noStrike">
-                          <a:solidFill>
-                            <a:srgbClr val="ffffff"/>
-                          </a:solidFill>
-                          <a:latin typeface="Calibri"/>
-                        </a:rPr>
-                        <a:t>points</a:t>
-                      </a:r>
-                      <a:endParaRPr/>
-                    </a:p>
-                    <a:p>
-                      <a:pPr>
-                        <a:lnSpc>
-                          <a:spcPct val="107000"/>
-                        </a:lnSpc>
-                      </a:pPr>
-                      <a:r>
-                        <a:rPr b="1" lang="en-US" sz="1100" strike="noStrike">
-                          <a:solidFill>
-                            <a:srgbClr val="ffffff"/>
-                          </a:solidFill>
-                          <a:latin typeface="Calibri"/>
-                        </a:rPr>
-                        <a:t>pointsRenewal</a:t>
-                      </a:r>
-                      <a:endParaRPr/>
-                    </a:p>
-                    <a:p>
-                      <a:pPr>
-                        <a:lnSpc>
-                          <a:spcPct val="107000"/>
-                        </a:lnSpc>
-                      </a:pPr>
-                      <a:r>
-                        <a:rPr b="1" lang="en-US" sz="1100" strike="noStrike">
-                          <a:solidFill>
-                            <a:srgbClr val="ffffff"/>
-                          </a:solidFill>
-                          <a:latin typeface="Calibri"/>
-                        </a:rPr>
-                        <a:t>categoryId</a:t>
-                      </a:r>
-                      <a:endParaRPr/>
-                    </a:p>
-                  </a:txBody>
-                  <a:tcPr/>
-                </a:tc>
-              </a:tr>
-            </a:tbl>
-          </a:graphicData>
-        </a:graphic>
-      </p:graphicFrame>
-      <p:graphicFrame>
-        <p:nvGraphicFramePr>
-          <p:cNvPr id="93" name="Table 3"/>
-          <p:cNvGraphicFramePr/>
-          <p:nvPr/>
-        </p:nvGraphicFramePr>
-        <p:xfrm>
-          <a:off x="2061360" y="4679640"/>
-          <a:ext cx="1255680" cy="798480"/>
-        </p:xfrm>
-        <a:graphic>
-          <a:graphicData uri="http://schemas.openxmlformats.org/drawingml/2006/table">
-            <a:tbl>
-              <a:tblPr/>
-              <a:tblGrid>
-                <a:gridCol w="1255680"/>
-              </a:tblGrid>
-              <a:tr h="172800">
-                <a:tc>
-                  <a:txBody>
-                    <a:bodyPr lIns="68400" rIns="68400" tIns="0" bIns="0"/>
-                    <a:p>
-                      <a:pPr>
-                        <a:lnSpc>
-                          <a:spcPct val="107000"/>
-                        </a:lnSpc>
-                      </a:pPr>
-                      <a:r>
-                        <a:rPr b="1" lang="en-US" sz="1100" strike="noStrike">
-                          <a:solidFill>
-                            <a:srgbClr val="ffffff"/>
-                          </a:solidFill>
-                          <a:latin typeface="Calibri"/>
-                        </a:rPr>
-                        <a:t>Category</a:t>
-                      </a:r>
-                      <a:endParaRPr/>
-                    </a:p>
-                  </a:txBody>
-                  <a:tcPr/>
-                </a:tc>
-              </a:tr>
-              <a:tr h="725760">
-                <a:tc>
-                  <a:txBody>
-                    <a:bodyPr lIns="68400" rIns="68400" tIns="0" bIns="0"/>
-                    <a:p>
-                      <a:pPr>
-                        <a:lnSpc>
-                          <a:spcPct val="107000"/>
-                        </a:lnSpc>
-                      </a:pPr>
-                      <a:r>
-                        <a:rPr b="1" lang="en-US" sz="1100" strike="noStrike">
-                          <a:solidFill>
-                            <a:srgbClr val="ffffff"/>
-                          </a:solidFill>
-                          <a:latin typeface="Calibri"/>
-                        </a:rPr>
-                        <a:t>categoryId &lt;&lt;PK&gt;&gt;</a:t>
-                      </a:r>
-                      <a:endParaRPr/>
-                    </a:p>
-                    <a:p>
-                      <a:pPr>
-                        <a:lnSpc>
-                          <a:spcPct val="107000"/>
-                        </a:lnSpc>
-                      </a:pPr>
-                      <a:r>
-                        <a:rPr b="1" lang="en-US" sz="1100" strike="noStrike">
-                          <a:solidFill>
-                            <a:srgbClr val="ffffff"/>
-                          </a:solidFill>
-                          <a:latin typeface="Calibri"/>
-                        </a:rPr>
-                        <a:t>categoryName</a:t>
-                      </a:r>
-                      <a:endParaRPr/>
-                    </a:p>
-                    <a:p>
-                      <a:pPr>
-                        <a:lnSpc>
-                          <a:spcPct val="107000"/>
-                        </a:lnSpc>
-                      </a:pPr>
-                      <a:r>
-                        <a:rPr b="1" lang="en-US" sz="1100" strike="noStrike">
-                          <a:solidFill>
-                            <a:srgbClr val="ffffff"/>
-                          </a:solidFill>
-                          <a:latin typeface="Calibri"/>
-                        </a:rPr>
-                        <a:t>categoryMinPoints</a:t>
-                      </a:r>
-                      <a:endParaRPr/>
-                    </a:p>
-                    <a:p>
-                      <a:pPr>
-                        <a:lnSpc>
-                          <a:spcPct val="107000"/>
-                        </a:lnSpc>
-                      </a:pPr>
-                      <a:r>
-                        <a:rPr b="1" lang="en-US" sz="1100" strike="noStrike">
-                          <a:solidFill>
-                            <a:srgbClr val="ffffff"/>
-                          </a:solidFill>
-                          <a:latin typeface="Calibri"/>
-                        </a:rPr>
-                        <a:t>categoryDiscount</a:t>
-                      </a:r>
-                      <a:endParaRPr/>
-                    </a:p>
-                  </a:txBody>
-                  <a:tcPr/>
-                </a:tc>
-              </a:tr>
-            </a:tbl>
-          </a:graphicData>
-        </a:graphic>
-      </p:graphicFrame>
-      <p:graphicFrame>
-        <p:nvGraphicFramePr>
-          <p:cNvPr id="94" name="Table 4"/>
-          <p:cNvGraphicFramePr/>
-          <p:nvPr/>
-        </p:nvGraphicFramePr>
-        <p:xfrm>
-          <a:off x="7785000" y="1988640"/>
-          <a:ext cx="1359000" cy="1429200"/>
-        </p:xfrm>
-        <a:graphic>
-          <a:graphicData uri="http://schemas.openxmlformats.org/drawingml/2006/table">
-            <a:tbl>
-              <a:tblPr/>
-              <a:tblGrid>
-                <a:gridCol w="1359360"/>
-              </a:tblGrid>
-              <a:tr h="172800">
-                <a:tc>
-                  <a:txBody>
-                    <a:bodyPr lIns="68400" rIns="68400" tIns="0" bIns="0"/>
-                    <a:p>
-                      <a:pPr>
-                        <a:lnSpc>
-                          <a:spcPct val="107000"/>
-                        </a:lnSpc>
-                      </a:pPr>
-                      <a:r>
-                        <a:rPr b="1" lang="en-US" sz="1100" strike="noStrike">
-                          <a:solidFill>
-                            <a:srgbClr val="ffffff"/>
-                          </a:solidFill>
-                          <a:latin typeface="Calibri"/>
-                        </a:rPr>
-                        <a:t>Products</a:t>
-                      </a:r>
-                      <a:endParaRPr/>
-                    </a:p>
-                  </a:txBody>
-                  <a:tcPr/>
-                </a:tc>
-              </a:tr>
-              <a:tr h="1278720">
-                <a:tc>
-                  <a:txBody>
-                    <a:bodyPr lIns="68400" rIns="68400" tIns="0" bIns="0"/>
-                    <a:p>
-                      <a:pPr>
-                        <a:lnSpc>
-                          <a:spcPct val="107000"/>
-                        </a:lnSpc>
-                      </a:pPr>
-                      <a:r>
-                        <a:rPr b="1" lang="en-US" sz="1100" strike="noStrike">
-                          <a:solidFill>
-                            <a:srgbClr val="ffffff"/>
-                          </a:solidFill>
-                          <a:latin typeface="Calibri"/>
-                        </a:rPr>
-                        <a:t>productId &lt;&lt;PK&gt;&gt;</a:t>
-                      </a:r>
-                      <a:endParaRPr/>
-                    </a:p>
-                    <a:p>
-                      <a:pPr>
-                        <a:lnSpc>
-                          <a:spcPct val="107000"/>
-                        </a:lnSpc>
-                      </a:pPr>
-                      <a:r>
-                        <a:rPr b="1" lang="en-US" sz="1100" strike="noStrike">
-                          <a:solidFill>
-                            <a:srgbClr val="ffffff"/>
-                          </a:solidFill>
-                          <a:latin typeface="Calibri"/>
-                        </a:rPr>
-                        <a:t>productPrice</a:t>
-                      </a:r>
-                      <a:endParaRPr/>
-                    </a:p>
-                    <a:p>
-                      <a:pPr>
-                        <a:lnSpc>
-                          <a:spcPct val="107000"/>
-                        </a:lnSpc>
-                      </a:pPr>
-                      <a:r>
-                        <a:rPr b="1" lang="en-US" sz="1100" strike="noStrike">
-                          <a:solidFill>
-                            <a:srgbClr val="ffffff"/>
-                          </a:solidFill>
-                          <a:latin typeface="Calibri"/>
-                        </a:rPr>
-                        <a:t>productName</a:t>
-                      </a:r>
-                      <a:endParaRPr/>
-                    </a:p>
-                    <a:p>
-                      <a:pPr>
-                        <a:lnSpc>
-                          <a:spcPct val="107000"/>
-                        </a:lnSpc>
-                      </a:pPr>
-                      <a:r>
-                        <a:rPr b="1" lang="en-US" sz="1100" strike="noStrike">
-                          <a:solidFill>
-                            <a:srgbClr val="ffffff"/>
-                          </a:solidFill>
-                          <a:latin typeface="Calibri"/>
-                        </a:rPr>
-                        <a:t>productDescription</a:t>
-                      </a:r>
-                      <a:endParaRPr/>
-                    </a:p>
-                    <a:p>
-                      <a:pPr>
-                        <a:lnSpc>
-                          <a:spcPct val="107000"/>
-                        </a:lnSpc>
-                      </a:pPr>
-                      <a:r>
-                        <a:rPr b="1" lang="en-US" sz="1100" strike="noStrike">
-                          <a:solidFill>
-                            <a:srgbClr val="ffffff"/>
-                          </a:solidFill>
-                          <a:latin typeface="Calibri"/>
-                        </a:rPr>
-                        <a:t>productCategoryId</a:t>
-                      </a:r>
-                      <a:endParaRPr/>
-                    </a:p>
-                    <a:p>
-                      <a:pPr>
-                        <a:lnSpc>
-                          <a:spcPct val="107000"/>
-                        </a:lnSpc>
-                      </a:pPr>
-                      <a:r>
-                        <a:rPr b="1" lang="en-US" sz="1100" strike="noStrike">
-                          <a:solidFill>
-                            <a:srgbClr val="ffffff"/>
-                          </a:solidFill>
-                          <a:latin typeface="Calibri"/>
-                        </a:rPr>
-                        <a:t>productPoints</a:t>
-                      </a:r>
-                      <a:endParaRPr/>
-                    </a:p>
-                    <a:p>
-                      <a:pPr>
-                        <a:lnSpc>
-                          <a:spcPct val="107000"/>
-                        </a:lnSpc>
-                      </a:pPr>
-                      <a:r>
-                        <a:rPr b="1" lang="en-US" sz="1100" strike="noStrike">
-                          <a:solidFill>
-                            <a:srgbClr val="ffffff"/>
-                          </a:solidFill>
-                          <a:latin typeface="Calibri"/>
-                        </a:rPr>
-                        <a:t>productImage</a:t>
-                      </a:r>
-                      <a:endParaRPr/>
-                    </a:p>
-                  </a:txBody>
-                  <a:tcPr/>
-                </a:tc>
-              </a:tr>
-            </a:tbl>
-          </a:graphicData>
-        </a:graphic>
-      </p:graphicFrame>
-      <p:graphicFrame>
-        <p:nvGraphicFramePr>
-          <p:cNvPr id="95" name="Table 5"/>
-          <p:cNvGraphicFramePr/>
-          <p:nvPr/>
-        </p:nvGraphicFramePr>
-        <p:xfrm>
-          <a:off x="5038200" y="1976040"/>
-          <a:ext cx="1027800" cy="619560"/>
-        </p:xfrm>
-        <a:graphic>
-          <a:graphicData uri="http://schemas.openxmlformats.org/drawingml/2006/table">
-            <a:tbl>
-              <a:tblPr/>
-              <a:tblGrid>
-                <a:gridCol w="1027800"/>
-              </a:tblGrid>
-              <a:tr h="172800">
-                <a:tc>
-                  <a:txBody>
-                    <a:bodyPr lIns="68400" rIns="68400" tIns="0" bIns="0"/>
-                    <a:p>
-                      <a:pPr>
-                        <a:lnSpc>
-                          <a:spcPct val="107000"/>
-                        </a:lnSpc>
-                      </a:pPr>
-                      <a:r>
-                        <a:rPr b="1" lang="en-US" sz="1100" strike="noStrike">
-                          <a:solidFill>
-                            <a:srgbClr val="ffffff"/>
-                          </a:solidFill>
-                          <a:latin typeface="Calibri"/>
-                        </a:rPr>
-                        <a:t>Orders</a:t>
-                      </a:r>
-                      <a:endParaRPr/>
-                    </a:p>
-                  </a:txBody>
-                  <a:tcPr/>
-                </a:tc>
-              </a:tr>
-              <a:tr h="1094400">
-                <a:tc>
-                  <a:txBody>
-                    <a:bodyPr lIns="68400" rIns="68400" tIns="0" bIns="0"/>
-                    <a:p>
-                      <a:pPr>
-                        <a:lnSpc>
-                          <a:spcPct val="107000"/>
-                        </a:lnSpc>
-                      </a:pPr>
-                      <a:r>
-                        <a:rPr b="1" lang="en-US" sz="1100" strike="noStrike">
-                          <a:solidFill>
-                            <a:srgbClr val="ffffff"/>
-                          </a:solidFill>
-                          <a:latin typeface="Calibri"/>
-                        </a:rPr>
-                        <a:t>orderId &lt;&lt;PK&gt;&gt;</a:t>
-                      </a:r>
-                      <a:endParaRPr/>
-                    </a:p>
-                    <a:p>
-                      <a:pPr>
-                        <a:lnSpc>
-                          <a:spcPct val="107000"/>
-                        </a:lnSpc>
-                      </a:pPr>
-                      <a:r>
-                        <a:rPr b="1" lang="en-US" sz="1100" strike="noStrike">
-                          <a:solidFill>
-                            <a:srgbClr val="ffffff"/>
-                          </a:solidFill>
-                          <a:latin typeface="Calibri"/>
-                        </a:rPr>
-                        <a:t>userID</a:t>
-                      </a:r>
-                      <a:endParaRPr/>
-                    </a:p>
-                    <a:p>
-                      <a:pPr>
-                        <a:lnSpc>
-                          <a:spcPct val="107000"/>
-                        </a:lnSpc>
-                      </a:pPr>
-                      <a:r>
-                        <a:rPr b="1" lang="en-US" sz="1100" strike="noStrike">
-                          <a:solidFill>
-                            <a:srgbClr val="ffffff"/>
-                          </a:solidFill>
-                          <a:latin typeface="Calibri"/>
-                        </a:rPr>
-                        <a:t>productID </a:t>
-                      </a:r>
-                      <a:endParaRPr/>
-                    </a:p>
-                    <a:p>
-                      <a:pPr>
-                        <a:lnSpc>
-                          <a:spcPct val="107000"/>
-                        </a:lnSpc>
-                      </a:pPr>
-                      <a:r>
-                        <a:rPr b="1" lang="en-US" sz="1100" strike="noStrike">
-                          <a:solidFill>
-                            <a:srgbClr val="ffffff"/>
-                          </a:solidFill>
-                          <a:latin typeface="Calibri"/>
-                        </a:rPr>
-                        <a:t>orderedOn</a:t>
-                      </a:r>
-                      <a:endParaRPr/>
-                    </a:p>
-                    <a:p>
-                      <a:pPr>
-                        <a:lnSpc>
-                          <a:spcPct val="107000"/>
-                        </a:lnSpc>
-                      </a:pPr>
-                      <a:r>
-                        <a:rPr b="1" lang="en-US" sz="1100" strike="noStrike">
-                          <a:solidFill>
-                            <a:srgbClr val="ffffff"/>
-                          </a:solidFill>
-                          <a:latin typeface="Calibri"/>
-                        </a:rPr>
-                        <a:t>amount</a:t>
-                      </a:r>
-                      <a:endParaRPr/>
-                    </a:p>
-                  </a:txBody>
-                  <a:tcPr/>
-                </a:tc>
-              </a:tr>
-            </a:tbl>
-          </a:graphicData>
-        </a:graphic>
-      </p:graphicFrame>
-      <p:sp>
-        <p:nvSpPr>
-          <p:cNvPr id="96" name="Line 6"/>
+                <a:ea typeface="DejaVu Sans"/>
+              </a:rPr>
+              <a:t>3NF Synthesis Algorithm (</a:t>
+            </a:r>
+            <a:r>
+              <a:rPr lang="en-US" sz="4000" strike="noStrike">
+                <a:solidFill>
+                  <a:srgbClr val="ffffff"/>
+                </a:solidFill>
+                <a:latin typeface="Meiryo"/>
+                <a:ea typeface="Meiryo"/>
+              </a:rPr>
+              <a:t>ρ</a:t>
+            </a:r>
+            <a:r>
+              <a:rPr lang="en-US" sz="4000" strike="noStrike" baseline="-33000">
+                <a:solidFill>
+                  <a:srgbClr val="ffffff"/>
+                </a:solidFill>
+                <a:latin typeface="Meiryo"/>
+                <a:ea typeface="Meiryo"/>
+              </a:rPr>
+              <a:t>3</a:t>
+            </a:r>
+            <a:r>
+              <a:rPr lang="en-US" sz="4400" strike="noStrike">
+                <a:solidFill>
+                  <a:srgbClr val="ffffff"/>
+                </a:solidFill>
+                <a:latin typeface="Meiryo"/>
+                <a:ea typeface="Meiryo"/>
+              </a:rPr>
+              <a:t> )</a:t>
+            </a:r>
+            <a:endParaRPr/>
+          </a:p>
+        </p:txBody>
+      </p:sp>
+      <p:sp>
+        <p:nvSpPr>
+          <p:cNvPr id="85" name="CustomShape 2"/>
           <p:cNvSpPr/>
           <p:nvPr/>
         </p:nvSpPr>
         <p:spPr>
           <a:xfrm>
-            <a:off x="3178800" y="2770200"/>
-            <a:ext cx="1861560" cy="21960"/>
-          </a:xfrm>
-          <a:prstGeom prst="line">
-            <a:avLst/>
-          </a:prstGeom>
-          <a:ln/>
-        </p:spPr>
-      </p:sp>
-      <p:sp>
-        <p:nvSpPr>
-          <p:cNvPr id="97" name="Line 7"/>
-          <p:cNvSpPr/>
+            <a:off x="837720" y="1825560"/>
+            <a:ext cx="10514160" cy="4349880"/>
+          </a:xfrm>
+          <a:prstGeom prst="rect">
+            <a:avLst/>
+          </a:prstGeom>
+          <a:noFill/>
+          <a:ln>
+            <a:noFill/>
+          </a:ln>
+        </p:spPr>
+        <p:style>
+          <a:lnRef idx="0"/>
+          <a:fillRef idx="0"/>
+          <a:effectRef idx="0"/>
+          <a:fontRef idx="minor"/>
+        </p:style>
+      </p:sp>
+      <p:pic>
+        <p:nvPicPr>
+          <p:cNvPr id="86" name="Picture 2" descr=""/>
+          <p:cNvPicPr/>
           <p:nvPr/>
-        </p:nvSpPr>
-        <p:spPr>
-          <a:xfrm>
-            <a:off x="6063480" y="2509200"/>
-            <a:ext cx="1721520" cy="203400"/>
-          </a:xfrm>
-          <a:prstGeom prst="line">
-            <a:avLst/>
-          </a:prstGeom>
-          <a:ln/>
-        </p:spPr>
-      </p:sp>
-      <p:sp>
-        <p:nvSpPr>
-          <p:cNvPr id="98" name="Line 8"/>
-          <p:cNvSpPr/>
-          <p:nvPr/>
-        </p:nvSpPr>
-        <p:spPr>
-          <a:xfrm>
-            <a:off x="2623680" y="3686400"/>
-            <a:ext cx="65160" cy="992880"/>
-          </a:xfrm>
-          <a:prstGeom prst="line">
-            <a:avLst/>
-          </a:prstGeom>
-          <a:ln/>
-        </p:spPr>
-      </p:sp>
-      <p:sp>
-        <p:nvSpPr>
-          <p:cNvPr id="99" name="Line 9"/>
-          <p:cNvSpPr/>
-          <p:nvPr/>
-        </p:nvSpPr>
-        <p:spPr>
-          <a:xfrm>
-            <a:off x="3309480" y="5143320"/>
-            <a:ext cx="5236200" cy="54720"/>
-          </a:xfrm>
-          <a:prstGeom prst="line">
-            <a:avLst/>
-          </a:prstGeom>
-          <a:ln/>
-        </p:spPr>
-      </p:sp>
-      <p:sp>
-        <p:nvSpPr>
-          <p:cNvPr id="100" name="Line 10"/>
-          <p:cNvSpPr/>
-          <p:nvPr/>
-        </p:nvSpPr>
-        <p:spPr>
-          <a:xfrm flipH="1" flipV="1">
-            <a:off x="8464680" y="3436560"/>
-            <a:ext cx="91800" cy="1772280"/>
-          </a:xfrm>
-          <a:prstGeom prst="line">
-            <a:avLst/>
-          </a:prstGeom>
-          <a:ln/>
-        </p:spPr>
-      </p:sp>
+        </p:nvPicPr>
+        <p:blipFill>
+          <a:blip r:embed="rId1"/>
+          <a:stretch/>
+        </p:blipFill>
+        <p:spPr>
+          <a:xfrm>
+            <a:off x="837720" y="1690560"/>
+            <a:ext cx="10574640" cy="4484880"/>
+          </a:xfrm>
+          <a:prstGeom prst="rect">
+            <a:avLst/>
+          </a:prstGeom>
+          <a:ln>
+            <a:noFill/>
+          </a:ln>
+        </p:spPr>
+      </p:pic>
     </p:spTree>
   </p:cSld>
   <p:timing>
@@ -6150,14 +5345,14 @@
       </p:grpSpPr>
       <p:sp>
         <p:nvSpPr>
-          <p:cNvPr id="101" name="TextShape 1"/>
-          <p:cNvSpPr txBox="1"/>
+          <p:cNvPr id="87" name="CustomShape 1"/>
+          <p:cNvSpPr/>
           <p:nvPr/>
         </p:nvSpPr>
         <p:spPr>
           <a:xfrm>
-            <a:off x="838080" y="365040"/>
-            <a:ext cx="10515240" cy="1325160"/>
+            <a:off x="837720" y="365040"/>
+            <a:ext cx="10514160" cy="1324080"/>
           </a:xfrm>
           <a:prstGeom prst="rect">
             <a:avLst/>
@@ -6167,8 +5362,14 @@
             <a:noFill/>
           </a:ln>
         </p:spPr>
-        <p:txBody>
-          <a:bodyPr anchor="ctr"/>
+        <p:style>
+          <a:lnRef idx="0"/>
+          <a:fillRef idx="0"/>
+          <a:effectRef idx="0"/>
+          <a:fontRef idx="minor"/>
+        </p:style>
+        <p:txBody>
+          <a:bodyPr lIns="90000" rIns="90000" tIns="45000" bIns="45000" anchor="ctr"/>
           <a:p>
             <a:pPr>
               <a:lnSpc>
@@ -6176,20 +5377,21 @@
               </a:lnSpc>
             </a:pPr>
             <a:r>
-              <a:rPr lang="en-US" sz="4400" strike="noStrike">
-                <a:solidFill>
-                  <a:srgbClr val="ffffff"/>
-                </a:solidFill>
-                <a:latin typeface="Meiryo"/>
-              </a:rPr>
-              <a:t>3NF Synthesis Algorithm (</a:t>
-            </a:r>
-            <a:r>
               <a:rPr lang="en-US" sz="4000" strike="noStrike">
                 <a:solidFill>
                   <a:srgbClr val="ffffff"/>
                 </a:solidFill>
                 <a:latin typeface="Meiryo"/>
+                <a:ea typeface="DejaVu Sans"/>
+              </a:rPr>
+              <a:t>BCNF Decomposition Algorithm (</a:t>
+            </a:r>
+            <a:r>
+              <a:rPr lang="en-US" sz="4000" strike="noStrike">
+                <a:solidFill>
+                  <a:srgbClr val="ffffff"/>
+                </a:solidFill>
+                <a:latin typeface="Meiryo"/>
                 <a:ea typeface="Meiryo"/>
               </a:rPr>
               <a:t>ρ</a:t>
@@ -6202,50 +5404,25 @@
                 <a:latin typeface="Meiryo"/>
                 <a:ea typeface="Meiryo"/>
               </a:rPr>
-              <a:t>3</a:t>
-            </a:r>
-            <a:r>
-              <a:rPr lang="en-US" sz="4400" strike="noStrike">
-                <a:solidFill>
-                  <a:srgbClr val="ffffff"/>
-                </a:solidFill>
-                <a:latin typeface="Meiryo"/>
-              </a:rPr>
-              <a:t> )</a:t>
-            </a:r>
-            <a:endParaRPr/>
-          </a:p>
-        </p:txBody>
-      </p:sp>
-      <p:sp>
-        <p:nvSpPr>
-          <p:cNvPr id="102" name="TextShape 2"/>
-          <p:cNvSpPr txBox="1"/>
-          <p:nvPr/>
-        </p:nvSpPr>
-        <p:spPr>
-          <a:xfrm>
-            <a:off x="838080" y="1825560"/>
-            <a:ext cx="10515240" cy="4350960"/>
-          </a:xfrm>
-          <a:prstGeom prst="rect">
-            <a:avLst/>
-          </a:prstGeom>
-          <a:noFill/>
-          <a:ln>
-            <a:noFill/>
-          </a:ln>
-        </p:spPr>
-        <p:txBody>
-          <a:bodyPr/>
-          <a:p>
+              <a:t>2</a:t>
+            </a:r>
+            <a:r>
+              <a:rPr lang="en-US" sz="4000" strike="noStrike">
+                <a:solidFill>
+                  <a:srgbClr val="ffffff"/>
+                </a:solidFill>
+                <a:latin typeface="Meiryo"/>
+                <a:ea typeface="Meiryo"/>
+              </a:rPr>
+              <a:t>)</a:t>
+            </a:r>
             <a:endParaRPr/>
           </a:p>
         </p:txBody>
       </p:sp>
       <p:pic>
         <p:nvPicPr>
-          <p:cNvPr id="103" name="Picture 2" descr=""/>
+          <p:cNvPr id="88" name="Picture 2" descr=""/>
           <p:cNvPicPr/>
           <p:nvPr/>
         </p:nvPicPr>
@@ -6255,8 +5432,8 @@
         </p:blipFill>
         <p:spPr>
           <a:xfrm>
-            <a:off x="838080" y="1690560"/>
-            <a:ext cx="10575720" cy="4485960"/>
+            <a:off x="784800" y="1419840"/>
+            <a:ext cx="9464400" cy="5119560"/>
           </a:xfrm>
           <a:prstGeom prst="rect">
             <a:avLst/>
@@ -6317,14 +5494,14 @@
       </p:grpSpPr>
       <p:sp>
         <p:nvSpPr>
-          <p:cNvPr id="104" name="TextShape 1"/>
-          <p:cNvSpPr txBox="1"/>
+          <p:cNvPr id="89" name="CustomShape 1"/>
+          <p:cNvSpPr/>
           <p:nvPr/>
         </p:nvSpPr>
         <p:spPr>
           <a:xfrm>
-            <a:off x="838080" y="365040"/>
-            <a:ext cx="10515240" cy="1325160"/>
+            <a:off x="837720" y="365040"/>
+            <a:ext cx="10514160" cy="1324080"/>
           </a:xfrm>
           <a:prstGeom prst="rect">
             <a:avLst/>
@@ -6334,8 +5511,14 @@
             <a:noFill/>
           </a:ln>
         </p:spPr>
-        <p:txBody>
-          <a:bodyPr anchor="ctr"/>
+        <p:style>
+          <a:lnRef idx="0"/>
+          <a:fillRef idx="0"/>
+          <a:effectRef idx="0"/>
+          <a:fontRef idx="minor"/>
+        </p:style>
+        <p:txBody>
+          <a:bodyPr lIns="90000" rIns="90000" tIns="45000" bIns="45000" anchor="ctr"/>
           <a:p>
             <a:pPr>
               <a:lnSpc>
@@ -6348,8 +5531,9 @@
                   <a:srgbClr val="ffffff"/>
                 </a:solidFill>
                 <a:latin typeface="Meiryo"/>
-              </a:rPr>
-              <a:t>BCNF Decomposition Algorithm (</a:t>
+                <a:ea typeface="DejaVu Sans"/>
+              </a:rPr>
+              <a:t>Comparison of </a:t>
             </a:r>
             <a:r>
               <a:rPr lang="en-US" sz="4000" strike="noStrike">
@@ -6369,6 +5553,26 @@
                 <a:latin typeface="Meiryo"/>
                 <a:ea typeface="Meiryo"/>
               </a:rPr>
+              <a:t>1</a:t>
+            </a:r>
+            <a:r>
+              <a:rPr lang="en-US" sz="4000" strike="noStrike">
+                <a:solidFill>
+                  <a:srgbClr val="ffffff"/>
+                </a:solidFill>
+                <a:latin typeface="Meiryo"/>
+                <a:ea typeface="Meiryo"/>
+              </a:rPr>
+              <a:t>, ρ</a:t>
+            </a:r>
+            <a:r>
+              <a:rPr lang="en-US" sz="4000" strike="noStrike" baseline="-33000">
+                <a:solidFill>
+                  <a:srgbClr val="ffffff"/>
+                </a:solidFill>
+                <a:latin typeface="Meiryo"/>
+                <a:ea typeface="Meiryo"/>
+              </a:rPr>
               <a:t>2</a:t>
             </a:r>
             <a:r>
@@ -6377,36 +5581,281 @@
                   <a:srgbClr val="ffffff"/>
                 </a:solidFill>
                 <a:latin typeface="Meiryo"/>
-              </a:rPr>
-              <a:t>)</a:t>
-            </a:r>
-            <a:endParaRPr/>
-          </a:p>
-        </p:txBody>
-      </p:sp>
-      <p:pic>
-        <p:nvPicPr>
-          <p:cNvPr id="105" name="Picture 2" descr=""/>
-          <p:cNvPicPr/>
+                <a:ea typeface="Meiryo"/>
+              </a:rPr>
+              <a:t>, and ρ</a:t>
+            </a:r>
+            <a:r>
+              <a:rPr lang="en-US" sz="4000" strike="noStrike" baseline="-33000">
+                <a:solidFill>
+                  <a:srgbClr val="ffffff"/>
+                </a:solidFill>
+                <a:latin typeface="Meiryo"/>
+                <a:ea typeface="Meiryo"/>
+              </a:rPr>
+              <a:t>3</a:t>
+            </a:r>
+            <a:endParaRPr/>
+          </a:p>
+        </p:txBody>
+      </p:sp>
+      <p:sp>
+        <p:nvSpPr>
+          <p:cNvPr id="90" name="CustomShape 2"/>
+          <p:cNvSpPr/>
           <p:nvPr/>
-        </p:nvPicPr>
-        <p:blipFill>
-          <a:blip r:embed="rId1"/>
-          <a:stretch/>
-        </p:blipFill>
-        <p:spPr>
-          <a:xfrm>
-            <a:off x="785160" y="1371600"/>
-            <a:ext cx="9465480" cy="5120640"/>
-          </a:xfrm>
-          <a:prstGeom prst="rect">
-            <a:avLst/>
-          </a:prstGeom>
+        </p:nvSpPr>
+        <p:spPr>
+          <a:xfrm>
+            <a:off x="837720" y="1825560"/>
+            <a:ext cx="10514160" cy="4349880"/>
+          </a:xfrm>
+          <a:prstGeom prst="rect">
+            <a:avLst/>
+          </a:prstGeom>
+          <a:noFill/>
           <a:ln>
             <a:noFill/>
           </a:ln>
         </p:spPr>
-      </p:pic>
+        <p:style>
+          <a:lnRef idx="0"/>
+          <a:fillRef idx="0"/>
+          <a:effectRef idx="0"/>
+          <a:fontRef idx="minor"/>
+        </p:style>
+      </p:sp>
+      <p:sp>
+        <p:nvSpPr>
+          <p:cNvPr id="91" name="CustomShape 3"/>
+          <p:cNvSpPr/>
+          <p:nvPr/>
+        </p:nvSpPr>
+        <p:spPr>
+          <a:xfrm>
+            <a:off x="457200" y="1775520"/>
+            <a:ext cx="9874080" cy="4349880"/>
+          </a:xfrm>
+          <a:prstGeom prst="rect">
+            <a:avLst/>
+          </a:prstGeom>
+          <a:noFill/>
+          <a:ln>
+            <a:noFill/>
+          </a:ln>
+        </p:spPr>
+        <p:style>
+          <a:lnRef idx="0"/>
+          <a:fillRef idx="0"/>
+          <a:effectRef idx="0"/>
+          <a:fontRef idx="minor"/>
+        </p:style>
+        <p:txBody>
+          <a:bodyPr lIns="90000" rIns="90000" tIns="45000" bIns="45000"/>
+          <a:p>
+            <a:pPr>
+              <a:lnSpc>
+                <a:spcPct val="100000"/>
+              </a:lnSpc>
+            </a:pPr>
+            <a:r>
+              <a:rPr lang="en-US" sz="2800" strike="noStrike">
+                <a:solidFill>
+                  <a:srgbClr val="ffffff"/>
+                </a:solidFill>
+                <a:latin typeface="Meiryo"/>
+                <a:ea typeface="Meiryo"/>
+              </a:rPr>
+              <a:t> </a:t>
+            </a:r>
+            <a:r>
+              <a:rPr lang="en-US" sz="3200" strike="noStrike">
+                <a:solidFill>
+                  <a:srgbClr val="ffffff"/>
+                </a:solidFill>
+                <a:latin typeface="Meiryo"/>
+                <a:ea typeface="Meiryo"/>
+              </a:rPr>
+              <a:t>- ρ</a:t>
+            </a:r>
+            <a:r>
+              <a:rPr lang="en-US" sz="3200" strike="noStrike" baseline="-33000">
+                <a:solidFill>
+                  <a:srgbClr val="ffffff"/>
+                </a:solidFill>
+                <a:latin typeface="Meiryo"/>
+                <a:ea typeface="Meiryo"/>
+              </a:rPr>
+              <a:t>1 </a:t>
+            </a:r>
+            <a:r>
+              <a:rPr lang="en-US" sz="3200" strike="noStrike">
+                <a:solidFill>
+                  <a:srgbClr val="ffffff"/>
+                </a:solidFill>
+                <a:latin typeface="Meiryo"/>
+                <a:ea typeface="Meiryo"/>
+              </a:rPr>
+              <a:t>= 5</a:t>
+            </a:r>
+            <a:endParaRPr/>
+          </a:p>
+          <a:p>
+            <a:pPr>
+              <a:lnSpc>
+                <a:spcPct val="100000"/>
+              </a:lnSpc>
+            </a:pPr>
+            <a:r>
+              <a:rPr lang="en-US" sz="3200" strike="noStrike">
+                <a:solidFill>
+                  <a:srgbClr val="ffffff"/>
+                </a:solidFill>
+                <a:latin typeface="Meiryo"/>
+                <a:ea typeface="Meiryo"/>
+              </a:rPr>
+              <a:t> </a:t>
+            </a:r>
+            <a:r>
+              <a:rPr lang="en-US" sz="3200" strike="noStrike">
+                <a:solidFill>
+                  <a:srgbClr val="ffffff"/>
+                </a:solidFill>
+                <a:latin typeface="Meiryo"/>
+                <a:ea typeface="Meiryo"/>
+              </a:rPr>
+              <a:t>- ρ</a:t>
+            </a:r>
+            <a:r>
+              <a:rPr lang="en-US" sz="3200" strike="noStrike" baseline="-33000">
+                <a:solidFill>
+                  <a:srgbClr val="ffffff"/>
+                </a:solidFill>
+                <a:latin typeface="Meiryo"/>
+                <a:ea typeface="Meiryo"/>
+              </a:rPr>
+              <a:t>2 </a:t>
+            </a:r>
+            <a:r>
+              <a:rPr lang="en-US" sz="3200" strike="noStrike">
+                <a:solidFill>
+                  <a:srgbClr val="ffffff"/>
+                </a:solidFill>
+                <a:latin typeface="Meiryo"/>
+                <a:ea typeface="Meiryo"/>
+              </a:rPr>
+              <a:t>= 6</a:t>
+            </a:r>
+            <a:endParaRPr/>
+          </a:p>
+          <a:p>
+            <a:pPr>
+              <a:lnSpc>
+                <a:spcPct val="100000"/>
+              </a:lnSpc>
+            </a:pPr>
+            <a:r>
+              <a:rPr lang="en-US" sz="3200" strike="noStrike">
+                <a:solidFill>
+                  <a:srgbClr val="ffffff"/>
+                </a:solidFill>
+                <a:latin typeface="Meiryo"/>
+                <a:ea typeface="Meiryo"/>
+              </a:rPr>
+              <a:t> </a:t>
+            </a:r>
+            <a:r>
+              <a:rPr lang="en-US" sz="3200" strike="noStrike">
+                <a:solidFill>
+                  <a:srgbClr val="ffffff"/>
+                </a:solidFill>
+                <a:latin typeface="Meiryo"/>
+                <a:ea typeface="Meiryo"/>
+              </a:rPr>
+              <a:t>- ρ</a:t>
+            </a:r>
+            <a:r>
+              <a:rPr lang="en-US" sz="3200" strike="noStrike" baseline="-33000">
+                <a:solidFill>
+                  <a:srgbClr val="ffffff"/>
+                </a:solidFill>
+                <a:latin typeface="Meiryo"/>
+                <a:ea typeface="Meiryo"/>
+              </a:rPr>
+              <a:t>3 </a:t>
+            </a:r>
+            <a:r>
+              <a:rPr lang="en-US" sz="3200" strike="noStrike">
+                <a:solidFill>
+                  <a:srgbClr val="ffffff"/>
+                </a:solidFill>
+                <a:latin typeface="Meiryo"/>
+                <a:ea typeface="Meiryo"/>
+              </a:rPr>
+              <a:t>= 5</a:t>
+            </a:r>
+            <a:endParaRPr/>
+          </a:p>
+          <a:p>
+            <a:pPr>
+              <a:lnSpc>
+                <a:spcPct val="100000"/>
+              </a:lnSpc>
+            </a:pPr>
+            <a:r>
+              <a:rPr lang="en-US" sz="3200" strike="noStrike">
+                <a:solidFill>
+                  <a:srgbClr val="ffffff"/>
+                </a:solidFill>
+                <a:latin typeface="Meiryo"/>
+                <a:ea typeface="Meiryo"/>
+              </a:rPr>
+              <a:t> </a:t>
+            </a:r>
+            <a:r>
+              <a:rPr lang="en-US" sz="3200" strike="noStrike">
+                <a:solidFill>
+                  <a:srgbClr val="ffffff"/>
+                </a:solidFill>
+                <a:latin typeface="Meiryo"/>
+                <a:ea typeface="Meiryo"/>
+              </a:rPr>
+              <a:t>- ρ</a:t>
+            </a:r>
+            <a:r>
+              <a:rPr lang="en-US" sz="3200" strike="noStrike" baseline="-33000">
+                <a:solidFill>
+                  <a:srgbClr val="ffffff"/>
+                </a:solidFill>
+                <a:latin typeface="Meiryo"/>
+                <a:ea typeface="Meiryo"/>
+              </a:rPr>
+              <a:t>1</a:t>
+            </a:r>
+            <a:r>
+              <a:rPr lang="en-US" sz="3200" strike="noStrike">
+                <a:solidFill>
+                  <a:srgbClr val="ffffff"/>
+                </a:solidFill>
+                <a:latin typeface="Meiryo"/>
+                <a:ea typeface="Meiryo"/>
+              </a:rPr>
+              <a:t> = ρ</a:t>
+            </a:r>
+            <a:r>
+              <a:rPr lang="en-US" sz="3200" strike="noStrike" baseline="-33000">
+                <a:solidFill>
+                  <a:srgbClr val="ffffff"/>
+                </a:solidFill>
+                <a:latin typeface="Meiryo"/>
+                <a:ea typeface="Meiryo"/>
+              </a:rPr>
+              <a:t>3</a:t>
+            </a:r>
+            <a:endParaRPr/>
+          </a:p>
+        </p:txBody>
+      </p:sp>
     </p:spTree>
   </p:cSld>
   <p:timing>
